--- a/Angular Traning Data/presentation/Angular Routes.pptx
+++ b/Angular Traning Data/presentation/Angular Routes.pptx
@@ -8,7 +8,7 @@
     <p:notesMasterId r:id="rId17"/>
   </p:notesMasterIdLst>
   <p:sldIdLst>
-    <p:sldId id="256" r:id="rId3"/>
+    <p:sldId id="270" r:id="rId3"/>
     <p:sldId id="258" r:id="rId4"/>
     <p:sldId id="257" r:id="rId5"/>
     <p:sldId id="259" r:id="rId6"/>
@@ -1774,6 +1774,13 @@
         </dgm:presLayoutVars>
       </dgm:prSet>
       <dgm:spPr/>
+      <dgm:t>
+        <a:bodyPr/>
+        <a:lstStyle/>
+        <a:p>
+          <a:endParaRPr lang="en-US"/>
+        </a:p>
+      </dgm:t>
     </dgm:pt>
     <dgm:pt modelId="{78A48B18-896B-4867-9BF8-60F7F1A90A5B}" type="pres">
       <dgm:prSet presAssocID="{E82B88BB-2202-4793-9085-59FF497A4838}" presName="compositeNode" presStyleCnt="0">
@@ -1786,6 +1793,13 @@
     <dgm:pt modelId="{F360ADE5-A84D-4A13-803E-E3D4423E4AC7}" type="pres">
       <dgm:prSet presAssocID="{E82B88BB-2202-4793-9085-59FF497A4838}" presName="bgRect" presStyleLbl="bgAccFollowNode1" presStyleIdx="0" presStyleCnt="3"/>
       <dgm:spPr/>
+      <dgm:t>
+        <a:bodyPr/>
+        <a:lstStyle/>
+        <a:p>
+          <a:endParaRPr lang="en-US"/>
+        </a:p>
+      </dgm:t>
     </dgm:pt>
     <dgm:pt modelId="{1F812508-F60B-4811-B082-C251D91ADECC}" type="pres">
       <dgm:prSet presAssocID="{D30FC7F9-F1AA-4868-A934-CDC8E74FFC9C}" presName="sibTransNodeCircle" presStyleLbl="alignNode1" presStyleIdx="0" presStyleCnt="6">
@@ -1795,6 +1809,13 @@
         </dgm:presLayoutVars>
       </dgm:prSet>
       <dgm:spPr/>
+      <dgm:t>
+        <a:bodyPr/>
+        <a:lstStyle/>
+        <a:p>
+          <a:endParaRPr lang="en-US"/>
+        </a:p>
+      </dgm:t>
     </dgm:pt>
     <dgm:pt modelId="{744597BD-D0C9-4DA2-90B8-815261858E98}" type="pres">
       <dgm:prSet presAssocID="{E82B88BB-2202-4793-9085-59FF497A4838}" presName="bottomLine" presStyleLbl="alignNode1" presStyleIdx="1" presStyleCnt="6">
@@ -1809,6 +1830,13 @@
         </dgm:presLayoutVars>
       </dgm:prSet>
       <dgm:spPr/>
+      <dgm:t>
+        <a:bodyPr/>
+        <a:lstStyle/>
+        <a:p>
+          <a:endParaRPr lang="en-US"/>
+        </a:p>
+      </dgm:t>
     </dgm:pt>
     <dgm:pt modelId="{C69E6B7A-1465-4C23-B1B1-B3547EB4ECA6}" type="pres">
       <dgm:prSet presAssocID="{D30FC7F9-F1AA-4868-A934-CDC8E74FFC9C}" presName="sibTrans" presStyleCnt="0"/>
@@ -1825,6 +1853,13 @@
     <dgm:pt modelId="{5AD1D428-9D1C-4026-85A0-74982E91D4C2}" type="pres">
       <dgm:prSet presAssocID="{FDB1BC58-3CA7-451A-A595-1F332A8963BD}" presName="bgRect" presStyleLbl="bgAccFollowNode1" presStyleIdx="1" presStyleCnt="3"/>
       <dgm:spPr/>
+      <dgm:t>
+        <a:bodyPr/>
+        <a:lstStyle/>
+        <a:p>
+          <a:endParaRPr lang="en-US"/>
+        </a:p>
+      </dgm:t>
     </dgm:pt>
     <dgm:pt modelId="{A574357E-4EC1-4851-AA0F-211985065F50}" type="pres">
       <dgm:prSet presAssocID="{F1427924-9647-435C-9FA6-045F80CAC172}" presName="sibTransNodeCircle" presStyleLbl="alignNode1" presStyleIdx="2" presStyleCnt="6">
@@ -1834,6 +1869,13 @@
         </dgm:presLayoutVars>
       </dgm:prSet>
       <dgm:spPr/>
+      <dgm:t>
+        <a:bodyPr/>
+        <a:lstStyle/>
+        <a:p>
+          <a:endParaRPr lang="en-US"/>
+        </a:p>
+      </dgm:t>
     </dgm:pt>
     <dgm:pt modelId="{F31E15A4-E03D-468D-8B2C-F9B51A7CA984}" type="pres">
       <dgm:prSet presAssocID="{FDB1BC58-3CA7-451A-A595-1F332A8963BD}" presName="bottomLine" presStyleLbl="alignNode1" presStyleIdx="3" presStyleCnt="6">
@@ -1848,6 +1890,13 @@
         </dgm:presLayoutVars>
       </dgm:prSet>
       <dgm:spPr/>
+      <dgm:t>
+        <a:bodyPr/>
+        <a:lstStyle/>
+        <a:p>
+          <a:endParaRPr lang="en-US"/>
+        </a:p>
+      </dgm:t>
     </dgm:pt>
     <dgm:pt modelId="{B0A2F7FE-49B4-4B3D-BCF0-521A836A7F9F}" type="pres">
       <dgm:prSet presAssocID="{F1427924-9647-435C-9FA6-045F80CAC172}" presName="sibTrans" presStyleCnt="0"/>
@@ -1864,6 +1913,13 @@
     <dgm:pt modelId="{8926BB06-35A8-4819-8EE0-C8A78CB209D7}" type="pres">
       <dgm:prSet presAssocID="{18C8C0D5-D772-43C3-9A8E-25AD1006AAE0}" presName="bgRect" presStyleLbl="bgAccFollowNode1" presStyleIdx="2" presStyleCnt="3"/>
       <dgm:spPr/>
+      <dgm:t>
+        <a:bodyPr/>
+        <a:lstStyle/>
+        <a:p>
+          <a:endParaRPr lang="en-US"/>
+        </a:p>
+      </dgm:t>
     </dgm:pt>
     <dgm:pt modelId="{ACBFADAB-4B7B-4461-B16B-B0C6A4E40580}" type="pres">
       <dgm:prSet presAssocID="{6835EBBC-1B79-49AF-829E-7FB0010A1672}" presName="sibTransNodeCircle" presStyleLbl="alignNode1" presStyleIdx="4" presStyleCnt="6">
@@ -1873,6 +1929,13 @@
         </dgm:presLayoutVars>
       </dgm:prSet>
       <dgm:spPr/>
+      <dgm:t>
+        <a:bodyPr/>
+        <a:lstStyle/>
+        <a:p>
+          <a:endParaRPr lang="en-US"/>
+        </a:p>
+      </dgm:t>
     </dgm:pt>
     <dgm:pt modelId="{E3A2AAAA-3DB8-4BB3-B6F1-4FF3EA4F9B0B}" type="pres">
       <dgm:prSet presAssocID="{18C8C0D5-D772-43C3-9A8E-25AD1006AAE0}" presName="bottomLine" presStyleLbl="alignNode1" presStyleIdx="5" presStyleCnt="6">
@@ -1887,22 +1950,29 @@
         </dgm:presLayoutVars>
       </dgm:prSet>
       <dgm:spPr/>
+      <dgm:t>
+        <a:bodyPr/>
+        <a:lstStyle/>
+        <a:p>
+          <a:endParaRPr lang="en-US"/>
+        </a:p>
+      </dgm:t>
     </dgm:pt>
   </dgm:ptLst>
   <dgm:cxnLst>
+    <dgm:cxn modelId="{7B9D9AC0-9E81-48CE-B62C-1EDE3038C1DE}" srcId="{A0D06F87-1BFA-48B3-B8FC-B49B621EEA74}" destId="{FDB1BC58-3CA7-451A-A595-1F332A8963BD}" srcOrd="1" destOrd="0" parTransId="{08BA319C-151A-4624-92D5-197DFB3BEF14}" sibTransId="{F1427924-9647-435C-9FA6-045F80CAC172}"/>
+    <dgm:cxn modelId="{A089A348-0D2E-4868-9680-B5A23650562A}" type="presOf" srcId="{F1427924-9647-435C-9FA6-045F80CAC172}" destId="{A574357E-4EC1-4851-AA0F-211985065F50}" srcOrd="0" destOrd="0" presId="urn:microsoft.com/office/officeart/2016/7/layout/BasicLinearProcessNumbered"/>
+    <dgm:cxn modelId="{64EF2911-083D-46B9-9858-49E81FF91CE8}" type="presOf" srcId="{E82B88BB-2202-4793-9085-59FF497A4838}" destId="{9AA29C5F-7D48-4E40-B45A-8D31F187C438}" srcOrd="1" destOrd="0" presId="urn:microsoft.com/office/officeart/2016/7/layout/BasicLinearProcessNumbered"/>
+    <dgm:cxn modelId="{D86C1710-A791-4C3F-8751-5120CB0AABDA}" type="presOf" srcId="{A0D06F87-1BFA-48B3-B8FC-B49B621EEA74}" destId="{0F377885-08B6-4B87-B249-433CCF4611D7}" srcOrd="0" destOrd="0" presId="urn:microsoft.com/office/officeart/2016/7/layout/BasicLinearProcessNumbered"/>
     <dgm:cxn modelId="{2B3A9D04-3BE2-4C54-BF2D-0B3B977B1D96}" type="presOf" srcId="{18C8C0D5-D772-43C3-9A8E-25AD1006AAE0}" destId="{A3313043-5AED-4210-B57F-FDA53D2DEB8E}" srcOrd="1" destOrd="0" presId="urn:microsoft.com/office/officeart/2016/7/layout/BasicLinearProcessNumbered"/>
+    <dgm:cxn modelId="{7D7F8BB5-E52B-478A-83F6-B5A67D807868}" srcId="{A0D06F87-1BFA-48B3-B8FC-B49B621EEA74}" destId="{18C8C0D5-D772-43C3-9A8E-25AD1006AAE0}" srcOrd="2" destOrd="0" parTransId="{8CB2457A-4003-4308-AD3F-69EDDD5CE6EF}" sibTransId="{6835EBBC-1B79-49AF-829E-7FB0010A1672}"/>
+    <dgm:cxn modelId="{FD396375-BC4A-4671-90B7-49919DCF7FEC}" type="presOf" srcId="{E82B88BB-2202-4793-9085-59FF497A4838}" destId="{F360ADE5-A84D-4A13-803E-E3D4423E4AC7}" srcOrd="0" destOrd="0" presId="urn:microsoft.com/office/officeart/2016/7/layout/BasicLinearProcessNumbered"/>
+    <dgm:cxn modelId="{C402D9F9-35C1-4278-BA2E-83237E5A25BA}" type="presOf" srcId="{FDB1BC58-3CA7-451A-A595-1F332A8963BD}" destId="{974233B5-EDBB-40EB-BD1C-B18C244E546C}" srcOrd="1" destOrd="0" presId="urn:microsoft.com/office/officeart/2016/7/layout/BasicLinearProcessNumbered"/>
+    <dgm:cxn modelId="{D4D7C2B1-F04C-403B-8832-ACFEC153F444}" type="presOf" srcId="{18C8C0D5-D772-43C3-9A8E-25AD1006AAE0}" destId="{8926BB06-35A8-4819-8EE0-C8A78CB209D7}" srcOrd="0" destOrd="0" presId="urn:microsoft.com/office/officeart/2016/7/layout/BasicLinearProcessNumbered"/>
+    <dgm:cxn modelId="{751E5822-8F54-49A8-AD16-DB758D3B866E}" type="presOf" srcId="{FDB1BC58-3CA7-451A-A595-1F332A8963BD}" destId="{5AD1D428-9D1C-4026-85A0-74982E91D4C2}" srcOrd="0" destOrd="0" presId="urn:microsoft.com/office/officeart/2016/7/layout/BasicLinearProcessNumbered"/>
     <dgm:cxn modelId="{FB9EA20D-F7B1-45EF-AED6-12DE0ECC49E1}" type="presOf" srcId="{6835EBBC-1B79-49AF-829E-7FB0010A1672}" destId="{ACBFADAB-4B7B-4461-B16B-B0C6A4E40580}" srcOrd="0" destOrd="0" presId="urn:microsoft.com/office/officeart/2016/7/layout/BasicLinearProcessNumbered"/>
-    <dgm:cxn modelId="{D86C1710-A791-4C3F-8751-5120CB0AABDA}" type="presOf" srcId="{A0D06F87-1BFA-48B3-B8FC-B49B621EEA74}" destId="{0F377885-08B6-4B87-B249-433CCF4611D7}" srcOrd="0" destOrd="0" presId="urn:microsoft.com/office/officeart/2016/7/layout/BasicLinearProcessNumbered"/>
-    <dgm:cxn modelId="{64EF2911-083D-46B9-9858-49E81FF91CE8}" type="presOf" srcId="{E82B88BB-2202-4793-9085-59FF497A4838}" destId="{9AA29C5F-7D48-4E40-B45A-8D31F187C438}" srcOrd="1" destOrd="0" presId="urn:microsoft.com/office/officeart/2016/7/layout/BasicLinearProcessNumbered"/>
-    <dgm:cxn modelId="{751E5822-8F54-49A8-AD16-DB758D3B866E}" type="presOf" srcId="{FDB1BC58-3CA7-451A-A595-1F332A8963BD}" destId="{5AD1D428-9D1C-4026-85A0-74982E91D4C2}" srcOrd="0" destOrd="0" presId="urn:microsoft.com/office/officeart/2016/7/layout/BasicLinearProcessNumbered"/>
     <dgm:cxn modelId="{2A7A9432-1A85-4EC9-9ED1-4B9DD3E32478}" type="presOf" srcId="{D30FC7F9-F1AA-4868-A934-CDC8E74FFC9C}" destId="{1F812508-F60B-4811-B082-C251D91ADECC}" srcOrd="0" destOrd="0" presId="urn:microsoft.com/office/officeart/2016/7/layout/BasicLinearProcessNumbered"/>
     <dgm:cxn modelId="{BCC8155F-3C02-4A25-8D67-F4C19B435264}" srcId="{A0D06F87-1BFA-48B3-B8FC-B49B621EEA74}" destId="{E82B88BB-2202-4793-9085-59FF497A4838}" srcOrd="0" destOrd="0" parTransId="{CD78BC3F-0CFD-46B2-95F3-EC59A99FDBEC}" sibTransId="{D30FC7F9-F1AA-4868-A934-CDC8E74FFC9C}"/>
-    <dgm:cxn modelId="{A089A348-0D2E-4868-9680-B5A23650562A}" type="presOf" srcId="{F1427924-9647-435C-9FA6-045F80CAC172}" destId="{A574357E-4EC1-4851-AA0F-211985065F50}" srcOrd="0" destOrd="0" presId="urn:microsoft.com/office/officeart/2016/7/layout/BasicLinearProcessNumbered"/>
-    <dgm:cxn modelId="{FD396375-BC4A-4671-90B7-49919DCF7FEC}" type="presOf" srcId="{E82B88BB-2202-4793-9085-59FF497A4838}" destId="{F360ADE5-A84D-4A13-803E-E3D4423E4AC7}" srcOrd="0" destOrd="0" presId="urn:microsoft.com/office/officeart/2016/7/layout/BasicLinearProcessNumbered"/>
-    <dgm:cxn modelId="{D4D7C2B1-F04C-403B-8832-ACFEC153F444}" type="presOf" srcId="{18C8C0D5-D772-43C3-9A8E-25AD1006AAE0}" destId="{8926BB06-35A8-4819-8EE0-C8A78CB209D7}" srcOrd="0" destOrd="0" presId="urn:microsoft.com/office/officeart/2016/7/layout/BasicLinearProcessNumbered"/>
-    <dgm:cxn modelId="{7D7F8BB5-E52B-478A-83F6-B5A67D807868}" srcId="{A0D06F87-1BFA-48B3-B8FC-B49B621EEA74}" destId="{18C8C0D5-D772-43C3-9A8E-25AD1006AAE0}" srcOrd="2" destOrd="0" parTransId="{8CB2457A-4003-4308-AD3F-69EDDD5CE6EF}" sibTransId="{6835EBBC-1B79-49AF-829E-7FB0010A1672}"/>
-    <dgm:cxn modelId="{7B9D9AC0-9E81-48CE-B62C-1EDE3038C1DE}" srcId="{A0D06F87-1BFA-48B3-B8FC-B49B621EEA74}" destId="{FDB1BC58-3CA7-451A-A595-1F332A8963BD}" srcOrd="1" destOrd="0" parTransId="{08BA319C-151A-4624-92D5-197DFB3BEF14}" sibTransId="{F1427924-9647-435C-9FA6-045F80CAC172}"/>
-    <dgm:cxn modelId="{C402D9F9-35C1-4278-BA2E-83237E5A25BA}" type="presOf" srcId="{FDB1BC58-3CA7-451A-A595-1F332A8963BD}" destId="{974233B5-EDBB-40EB-BD1C-B18C244E546C}" srcOrd="1" destOrd="0" presId="urn:microsoft.com/office/officeart/2016/7/layout/BasicLinearProcessNumbered"/>
     <dgm:cxn modelId="{AAE67032-2086-4454-B956-909815C28090}" type="presParOf" srcId="{0F377885-08B6-4B87-B249-433CCF4611D7}" destId="{78A48B18-896B-4867-9BF8-60F7F1A90A5B}" srcOrd="0" destOrd="0" presId="urn:microsoft.com/office/officeart/2016/7/layout/BasicLinearProcessNumbered"/>
     <dgm:cxn modelId="{D725AADD-D78B-4DD2-983F-60800B6FC58C}" type="presParOf" srcId="{78A48B18-896B-4867-9BF8-60F7F1A90A5B}" destId="{F360ADE5-A84D-4A13-803E-E3D4423E4AC7}" srcOrd="0" destOrd="0" presId="urn:microsoft.com/office/officeart/2016/7/layout/BasicLinearProcessNumbered"/>
     <dgm:cxn modelId="{09F3390A-9C0E-40B5-BBD2-14572DF691BF}" type="presParOf" srcId="{78A48B18-896B-4867-9BF8-60F7F1A90A5B}" destId="{1F812508-F60B-4811-B082-C251D91ADECC}" srcOrd="1" destOrd="0" presId="urn:microsoft.com/office/officeart/2016/7/layout/BasicLinearProcessNumbered"/>
@@ -2098,6 +2168,13 @@
         </dgm:presLayoutVars>
       </dgm:prSet>
       <dgm:spPr/>
+      <dgm:t>
+        <a:bodyPr/>
+        <a:lstStyle/>
+        <a:p>
+          <a:endParaRPr lang="en-US"/>
+        </a:p>
+      </dgm:t>
     </dgm:pt>
     <dgm:pt modelId="{9AC65365-CDC2-4E53-923A-5CC77E0E8157}" type="pres">
       <dgm:prSet presAssocID="{1AA065CA-4D94-446D-BB2C-6647344F35E2}" presName="composite" presStyleCnt="0"/>
@@ -2112,6 +2189,13 @@
         </dgm:presLayoutVars>
       </dgm:prSet>
       <dgm:spPr/>
+      <dgm:t>
+        <a:bodyPr/>
+        <a:lstStyle/>
+        <a:p>
+          <a:endParaRPr lang="en-US"/>
+        </a:p>
+      </dgm:t>
     </dgm:pt>
     <dgm:pt modelId="{E34714BD-B036-46DB-B965-0228E4249A89}" type="pres">
       <dgm:prSet presAssocID="{1AA065CA-4D94-446D-BB2C-6647344F35E2}" presName="desTx" presStyleLbl="alignAccFollowNode1" presStyleIdx="0" presStyleCnt="2">
@@ -2120,6 +2204,13 @@
         </dgm:presLayoutVars>
       </dgm:prSet>
       <dgm:spPr/>
+      <dgm:t>
+        <a:bodyPr/>
+        <a:lstStyle/>
+        <a:p>
+          <a:endParaRPr lang="en-US"/>
+        </a:p>
+      </dgm:t>
     </dgm:pt>
     <dgm:pt modelId="{3DA093B0-F008-4557-8ED6-C66ADAE8AF40}" type="pres">
       <dgm:prSet presAssocID="{C641AA83-2E07-4651-9155-FA2D683A222A}" presName="space" presStyleCnt="0"/>
@@ -2138,6 +2229,13 @@
         </dgm:presLayoutVars>
       </dgm:prSet>
       <dgm:spPr/>
+      <dgm:t>
+        <a:bodyPr/>
+        <a:lstStyle/>
+        <a:p>
+          <a:endParaRPr lang="en-US"/>
+        </a:p>
+      </dgm:t>
     </dgm:pt>
     <dgm:pt modelId="{69A87DEE-6D88-4D82-8D87-74C8EFFB58F1}" type="pres">
       <dgm:prSet presAssocID="{6150BFDD-9E7E-4C05-9A14-0F6DC15874A5}" presName="desTx" presStyleLbl="alignAccFollowNode1" presStyleIdx="1" presStyleCnt="2">
@@ -2146,18 +2244,25 @@
         </dgm:presLayoutVars>
       </dgm:prSet>
       <dgm:spPr/>
+      <dgm:t>
+        <a:bodyPr/>
+        <a:lstStyle/>
+        <a:p>
+          <a:endParaRPr lang="en-US"/>
+        </a:p>
+      </dgm:t>
     </dgm:pt>
   </dgm:ptLst>
   <dgm:cxnLst>
     <dgm:cxn modelId="{C37ECB02-5B7A-4E90-A84F-FA7088CC8ED9}" type="presOf" srcId="{66B180CF-17EE-4E2C-B0DA-7F459BAF2A73}" destId="{69A87DEE-6D88-4D82-8D87-74C8EFFB58F1}" srcOrd="0" destOrd="0" presId="urn:microsoft.com/office/officeart/2005/8/layout/hList1"/>
-    <dgm:cxn modelId="{2C9D4318-7037-439E-A31D-6BDCEBE3ECB0}" type="presOf" srcId="{6150BFDD-9E7E-4C05-9A14-0F6DC15874A5}" destId="{F4B34012-3C20-40B3-8547-3982235493BE}" srcOrd="0" destOrd="0" presId="urn:microsoft.com/office/officeart/2005/8/layout/hList1"/>
+    <dgm:cxn modelId="{AA358F9A-EDC4-4144-B8BD-9D7F11066F59}" srcId="{141EBC4C-1E8D-4A23-A843-F4AA28843F16}" destId="{1AA065CA-4D94-446D-BB2C-6647344F35E2}" srcOrd="0" destOrd="0" parTransId="{DFCA7B86-F889-4DDB-97C7-585B603DEEB4}" sibTransId="{C641AA83-2E07-4651-9155-FA2D683A222A}"/>
+    <dgm:cxn modelId="{0EFD21F8-FA09-44FB-AAED-DAC5198C68AD}" srcId="{1AA065CA-4D94-446D-BB2C-6647344F35E2}" destId="{FFA4521E-CC08-4405-BA44-2E0A5E1AE98B}" srcOrd="0" destOrd="0" parTransId="{F06F52F9-C6A7-4C7B-802C-708B6F468C48}" sibTransId="{870B33C8-978C-4F2B-A13E-68C1F935152D}"/>
+    <dgm:cxn modelId="{2A6AD470-CCDA-4EB1-9145-8DE34001F872}" type="presOf" srcId="{FFA4521E-CC08-4405-BA44-2E0A5E1AE98B}" destId="{E34714BD-B036-46DB-B965-0228E4249A89}" srcOrd="0" destOrd="0" presId="urn:microsoft.com/office/officeart/2005/8/layout/hList1"/>
     <dgm:cxn modelId="{1E3EF722-29A4-4D4A-B046-5448734C078B}" type="presOf" srcId="{141EBC4C-1E8D-4A23-A843-F4AA28843F16}" destId="{4E6EFFF1-0799-493A-8745-B84B2D1B9159}" srcOrd="0" destOrd="0" presId="urn:microsoft.com/office/officeart/2005/8/layout/hList1"/>
     <dgm:cxn modelId="{1D13584A-8775-445D-B025-628A153A4059}" type="presOf" srcId="{1AA065CA-4D94-446D-BB2C-6647344F35E2}" destId="{4E360FFF-E944-49F0-8152-955F534D07D2}" srcOrd="0" destOrd="0" presId="urn:microsoft.com/office/officeart/2005/8/layout/hList1"/>
+    <dgm:cxn modelId="{88A573A3-AF38-44B4-BE07-FDCE46E47CD5}" srcId="{141EBC4C-1E8D-4A23-A843-F4AA28843F16}" destId="{6150BFDD-9E7E-4C05-9A14-0F6DC15874A5}" srcOrd="1" destOrd="0" parTransId="{52E7E83C-9853-457F-8E3C-3AE78198059F}" sibTransId="{D548E232-43CE-4B56-9D7D-4D1CE204CC52}"/>
     <dgm:cxn modelId="{28F3346E-BF58-4F13-840E-0493A4BAC4E6}" srcId="{6150BFDD-9E7E-4C05-9A14-0F6DC15874A5}" destId="{66B180CF-17EE-4E2C-B0DA-7F459BAF2A73}" srcOrd="0" destOrd="0" parTransId="{E951BD91-F4F4-44F1-A983-05EE551A1B6D}" sibTransId="{9B502DE5-9947-4153-8F81-B26716162220}"/>
-    <dgm:cxn modelId="{2A6AD470-CCDA-4EB1-9145-8DE34001F872}" type="presOf" srcId="{FFA4521E-CC08-4405-BA44-2E0A5E1AE98B}" destId="{E34714BD-B036-46DB-B965-0228E4249A89}" srcOrd="0" destOrd="0" presId="urn:microsoft.com/office/officeart/2005/8/layout/hList1"/>
-    <dgm:cxn modelId="{AA358F9A-EDC4-4144-B8BD-9D7F11066F59}" srcId="{141EBC4C-1E8D-4A23-A843-F4AA28843F16}" destId="{1AA065CA-4D94-446D-BB2C-6647344F35E2}" srcOrd="0" destOrd="0" parTransId="{DFCA7B86-F889-4DDB-97C7-585B603DEEB4}" sibTransId="{C641AA83-2E07-4651-9155-FA2D683A222A}"/>
-    <dgm:cxn modelId="{88A573A3-AF38-44B4-BE07-FDCE46E47CD5}" srcId="{141EBC4C-1E8D-4A23-A843-F4AA28843F16}" destId="{6150BFDD-9E7E-4C05-9A14-0F6DC15874A5}" srcOrd="1" destOrd="0" parTransId="{52E7E83C-9853-457F-8E3C-3AE78198059F}" sibTransId="{D548E232-43CE-4B56-9D7D-4D1CE204CC52}"/>
-    <dgm:cxn modelId="{0EFD21F8-FA09-44FB-AAED-DAC5198C68AD}" srcId="{1AA065CA-4D94-446D-BB2C-6647344F35E2}" destId="{FFA4521E-CC08-4405-BA44-2E0A5E1AE98B}" srcOrd="0" destOrd="0" parTransId="{F06F52F9-C6A7-4C7B-802C-708B6F468C48}" sibTransId="{870B33C8-978C-4F2B-A13E-68C1F935152D}"/>
+    <dgm:cxn modelId="{2C9D4318-7037-439E-A31D-6BDCEBE3ECB0}" type="presOf" srcId="{6150BFDD-9E7E-4C05-9A14-0F6DC15874A5}" destId="{F4B34012-3C20-40B3-8547-3982235493BE}" srcOrd="0" destOrd="0" presId="urn:microsoft.com/office/officeart/2005/8/layout/hList1"/>
     <dgm:cxn modelId="{1680E2F5-F026-42B9-90E1-84D344A2D9FF}" type="presParOf" srcId="{4E6EFFF1-0799-493A-8745-B84B2D1B9159}" destId="{9AC65365-CDC2-4E53-923A-5CC77E0E8157}" srcOrd="0" destOrd="0" presId="urn:microsoft.com/office/officeart/2005/8/layout/hList1"/>
     <dgm:cxn modelId="{A0EF06A5-B4CC-4C9F-80FF-2F92E20C267F}" type="presParOf" srcId="{9AC65365-CDC2-4E53-923A-5CC77E0E8157}" destId="{4E360FFF-E944-49F0-8152-955F534D07D2}" srcOrd="0" destOrd="0" presId="urn:microsoft.com/office/officeart/2005/8/layout/hList1"/>
     <dgm:cxn modelId="{CEB9B133-07D3-4A81-83B1-8135B81569D2}" type="presParOf" srcId="{9AC65365-CDC2-4E53-923A-5CC77E0E8157}" destId="{E34714BD-B036-46DB-B965-0228E4249A89}" srcOrd="1" destOrd="0" presId="urn:microsoft.com/office/officeart/2005/8/layout/hList1"/>
@@ -2239,7 +2344,7 @@
         </a:bodyPr>
         <a:lstStyle/>
         <a:p>
-          <a:pPr marL="0" lvl="0" indent="0" algn="l" defTabSz="844550">
+          <a:pPr lvl="0" algn="l" defTabSz="844550">
             <a:lnSpc>
               <a:spcPct val="90000"/>
             </a:lnSpc>
@@ -2249,7 +2354,6 @@
             <a:spcAft>
               <a:spcPct val="35000"/>
             </a:spcAft>
-            <a:buNone/>
           </a:pPr>
           <a:r>
             <a:rPr lang="en-US" sz="1900" kern="1200"/>
@@ -2317,7 +2421,7 @@
         </a:bodyPr>
         <a:lstStyle/>
         <a:p>
-          <a:pPr marL="0" lvl="0" indent="0" algn="ctr" defTabSz="2133600">
+          <a:pPr lvl="0" algn="ctr" defTabSz="2133600">
             <a:lnSpc>
               <a:spcPct val="90000"/>
             </a:lnSpc>
@@ -2327,7 +2431,6 @@
             <a:spcAft>
               <a:spcPct val="35000"/>
             </a:spcAft>
-            <a:buNone/>
           </a:pPr>
           <a:r>
             <a:rPr lang="en-US" sz="4800" kern="1200"/>
@@ -2445,7 +2548,7 @@
         </a:bodyPr>
         <a:lstStyle/>
         <a:p>
-          <a:pPr marL="0" lvl="0" indent="0" algn="l" defTabSz="844550">
+          <a:pPr lvl="0" algn="l" defTabSz="844550">
             <a:lnSpc>
               <a:spcPct val="90000"/>
             </a:lnSpc>
@@ -2455,7 +2558,6 @@
             <a:spcAft>
               <a:spcPct val="35000"/>
             </a:spcAft>
-            <a:buNone/>
           </a:pPr>
           <a:r>
             <a:rPr lang="en-US" sz="1900" kern="1200"/>
@@ -2523,7 +2625,7 @@
         </a:bodyPr>
         <a:lstStyle/>
         <a:p>
-          <a:pPr marL="0" lvl="0" indent="0" algn="ctr" defTabSz="2133600">
+          <a:pPr lvl="0" algn="ctr" defTabSz="2133600">
             <a:lnSpc>
               <a:spcPct val="90000"/>
             </a:lnSpc>
@@ -2533,7 +2635,6 @@
             <a:spcAft>
               <a:spcPct val="35000"/>
             </a:spcAft>
-            <a:buNone/>
           </a:pPr>
           <a:r>
             <a:rPr lang="en-US" sz="4800" kern="1200"/>
@@ -2651,7 +2752,7 @@
         </a:bodyPr>
         <a:lstStyle/>
         <a:p>
-          <a:pPr marL="0" lvl="0" indent="0" algn="l" defTabSz="844550">
+          <a:pPr lvl="0" algn="l" defTabSz="844550">
             <a:lnSpc>
               <a:spcPct val="90000"/>
             </a:lnSpc>
@@ -2661,7 +2762,6 @@
             <a:spcAft>
               <a:spcPct val="35000"/>
             </a:spcAft>
-            <a:buNone/>
           </a:pPr>
           <a:r>
             <a:rPr lang="en-US" sz="1900" kern="1200"/>
@@ -2729,7 +2829,7 @@
         </a:bodyPr>
         <a:lstStyle/>
         <a:p>
-          <a:pPr marL="0" lvl="0" indent="0" algn="ctr" defTabSz="2133600">
+          <a:pPr lvl="0" algn="ctr" defTabSz="2133600">
             <a:lnSpc>
               <a:spcPct val="90000"/>
             </a:lnSpc>
@@ -2739,7 +2839,6 @@
             <a:spcAft>
               <a:spcPct val="35000"/>
             </a:spcAft>
-            <a:buNone/>
           </a:pPr>
           <a:r>
             <a:rPr lang="en-US" sz="4800" kern="1200"/>
@@ -2869,7 +2968,7 @@
         </a:bodyPr>
         <a:lstStyle/>
         <a:p>
-          <a:pPr marL="0" lvl="0" indent="0" algn="ctr" defTabSz="1289050">
+          <a:pPr lvl="0" algn="ctr" defTabSz="1289050">
             <a:lnSpc>
               <a:spcPct val="90000"/>
             </a:lnSpc>
@@ -2879,7 +2978,6 @@
             <a:spcAft>
               <a:spcPct val="35000"/>
             </a:spcAft>
-            <a:buNone/>
           </a:pPr>
           <a:r>
             <a:rPr lang="en-US" sz="2900" kern="1200"/>
@@ -3027,7 +3125,7 @@
         </a:bodyPr>
         <a:lstStyle/>
         <a:p>
-          <a:pPr marL="0" lvl="0" indent="0" algn="ctr" defTabSz="1289050">
+          <a:pPr lvl="0" algn="ctr" defTabSz="1289050">
             <a:lnSpc>
               <a:spcPct val="90000"/>
             </a:lnSpc>
@@ -3037,7 +3135,6 @@
             <a:spcAft>
               <a:spcPct val="35000"/>
             </a:spcAft>
-            <a:buNone/>
           </a:pPr>
           <a:r>
             <a:rPr lang="en-US" sz="2900" kern="1200"/>
@@ -3399,7 +3496,7 @@
   </dgm:layoutNode>
   <dgm:extLst>
     <a:ext uri="{4F341089-5ED1-44EC-B178-C955D00A3D55}">
-      <dgm1611:autoBuNodeInfoLst xmlns:dgm1611="http://schemas.microsoft.com/office/drawing/2016/11/diagram">
+      <dgm1611:autoBuNodeInfoLst xmlns:dgm1611="http://schemas.microsoft.com/office/drawing/2016/11/diagram" xmlns="">
         <dgm1611:autoBuNodeInfo lvl="1" ptType="sibTrans">
           <dgm1611:buPr prefix="" leadZeros="0">
             <a:buAutoNum type="arabicParenBoth"/>
@@ -5779,7 +5876,7 @@
             <a:fld id="{5FA7A704-9F1C-4FD3-85D1-57AF2D7FD0E8}" type="datetimeFigureOut">
               <a:rPr lang="en-US" smtClean="0"/>
               <a:pPr/>
-              <a:t>10/20/2017</a:t>
+              <a:t>11/14/17</a:t>
             </a:fld>
             <a:endParaRPr lang="en-US" dirty="0"/>
           </a:p>
@@ -6112,7 +6209,7 @@
             <a:fld id="{F7EBFB8C-BBFF-4397-A51C-1E92596422A9}" type="slidenum">
               <a:rPr lang="en-US" smtClean="0"/>
               <a:pPr/>
-              <a:t>1</a:t>
+              <a:t>2</a:t>
             </a:fld>
             <a:endParaRPr lang="en-US"/>
           </a:p>
@@ -6172,27 +6269,7 @@
           </a:bodyPr>
           <a:lstStyle/>
           <a:p>
-            <a:pPr marL="0" marR="0" indent="0" algn="l" defTabSz="914400" rtl="0" eaLnBrk="1" fontAlgn="auto" latinLnBrk="0" hangingPunct="1">
-              <a:lnSpc>
-                <a:spcPct val="100000"/>
-              </a:lnSpc>
-              <a:spcBef>
-                <a:spcPts val="0"/>
-              </a:spcBef>
-              <a:spcAft>
-                <a:spcPts val="0"/>
-              </a:spcAft>
-              <a:buClrTx/>
-              <a:buSzTx/>
-              <a:buFontTx/>
-              <a:buNone/>
-              <a:tabLst/>
-              <a:defRPr/>
-            </a:pPr>
-            <a:r>
-              <a:rPr lang="en-US" dirty="0"/>
-              <a:t>Tip: Add your own speaker notes here.</a:t>
-            </a:r>
+            <a:endParaRPr lang="en-US"/>
           </a:p>
         </p:txBody>
       </p:sp>
@@ -6214,9 +6291,9 @@
             <a:fld id="{F7EBFB8C-BBFF-4397-A51C-1E92596422A9}" type="slidenum">
               <a:rPr lang="en-US" smtClean="0"/>
               <a:pPr/>
-              <a:t>10</a:t>
+              <a:t>11</a:t>
             </a:fld>
-            <a:endParaRPr lang="en-US" dirty="0"/>
+            <a:endParaRPr lang="en-US"/>
           </a:p>
         </p:txBody>
       </p:sp>
@@ -6296,7 +6373,7 @@
             <a:fld id="{F7EBFB8C-BBFF-4397-A51C-1E92596422A9}" type="slidenum">
               <a:rPr lang="en-US" smtClean="0"/>
               <a:pPr/>
-              <a:t>11</a:t>
+              <a:t>12</a:t>
             </a:fld>
             <a:endParaRPr lang="en-US"/>
           </a:p>
@@ -6378,7 +6455,7 @@
             <a:fld id="{F7EBFB8C-BBFF-4397-A51C-1E92596422A9}" type="slidenum">
               <a:rPr lang="en-US" smtClean="0"/>
               <a:pPr/>
-              <a:t>12</a:t>
+              <a:t>13</a:t>
             </a:fld>
             <a:endParaRPr lang="en-US"/>
           </a:p>
@@ -6460,88 +6537,6 @@
             <a:fld id="{F7EBFB8C-BBFF-4397-A51C-1E92596422A9}" type="slidenum">
               <a:rPr lang="en-US" smtClean="0"/>
               <a:pPr/>
-              <a:t>13</a:t>
-            </a:fld>
-            <a:endParaRPr lang="en-US"/>
-          </a:p>
-        </p:txBody>
-      </p:sp>
-    </p:spTree>
-  </p:cSld>
-  <p:clrMapOvr>
-    <a:masterClrMapping/>
-  </p:clrMapOvr>
-</p:notes>
-</file>
-
-<file path=ppt/notesSlides/notesSlide14.xml><?xml version="1.0" encoding="utf-8"?>
-<p:notes xmlns:a="http://schemas.openxmlformats.org/drawingml/2006/main" xmlns:r="http://schemas.openxmlformats.org/officeDocument/2006/relationships" xmlns:p="http://schemas.openxmlformats.org/presentationml/2006/main">
-  <p:cSld>
-    <p:spTree>
-      <p:nvGrpSpPr>
-        <p:cNvPr id="1" name=""/>
-        <p:cNvGrpSpPr/>
-        <p:nvPr/>
-      </p:nvGrpSpPr>
-      <p:grpSpPr>
-        <a:xfrm>
-          <a:off x="0" y="0"/>
-          <a:ext cx="0" cy="0"/>
-          <a:chOff x="0" y="0"/>
-          <a:chExt cx="0" cy="0"/>
-        </a:xfrm>
-      </p:grpSpPr>
-      <p:sp>
-        <p:nvSpPr>
-          <p:cNvPr id="2" name="Slide Image Placeholder 1"/>
-          <p:cNvSpPr>
-            <a:spLocks noGrp="1" noRot="1" noChangeAspect="1"/>
-          </p:cNvSpPr>
-          <p:nvPr>
-            <p:ph type="sldImg"/>
-          </p:nvPr>
-        </p:nvSpPr>
-        <p:spPr/>
-      </p:sp>
-      <p:sp>
-        <p:nvSpPr>
-          <p:cNvPr id="3" name="Notes Placeholder 2"/>
-          <p:cNvSpPr>
-            <a:spLocks noGrp="1"/>
-          </p:cNvSpPr>
-          <p:nvPr>
-            <p:ph type="body" idx="1"/>
-          </p:nvPr>
-        </p:nvSpPr>
-        <p:spPr/>
-        <p:txBody>
-          <a:bodyPr>
-            <a:normAutofit/>
-          </a:bodyPr>
-          <a:lstStyle/>
-          <a:p>
-            <a:endParaRPr lang="en-US"/>
-          </a:p>
-        </p:txBody>
-      </p:sp>
-      <p:sp>
-        <p:nvSpPr>
-          <p:cNvPr id="4" name="Slide Number Placeholder 3"/>
-          <p:cNvSpPr>
-            <a:spLocks noGrp="1"/>
-          </p:cNvSpPr>
-          <p:nvPr>
-            <p:ph type="sldNum" sz="quarter" idx="10"/>
-          </p:nvPr>
-        </p:nvSpPr>
-        <p:spPr/>
-        <p:txBody>
-          <a:bodyPr/>
-          <a:lstStyle/>
-          <a:p>
-            <a:fld id="{F7EBFB8C-BBFF-4397-A51C-1E92596422A9}" type="slidenum">
-              <a:rPr lang="en-US" smtClean="0"/>
-              <a:pPr/>
               <a:t>14</a:t>
             </a:fld>
             <a:endParaRPr lang="en-US"/>
@@ -6602,7 +6597,27 @@
           </a:bodyPr>
           <a:lstStyle/>
           <a:p>
-            <a:endParaRPr lang="en-US"/>
+            <a:pPr marL="0" marR="0" indent="0" algn="l" defTabSz="914400" rtl="0" eaLnBrk="1" fontAlgn="auto" latinLnBrk="0" hangingPunct="1">
+              <a:lnSpc>
+                <a:spcPct val="100000"/>
+              </a:lnSpc>
+              <a:spcBef>
+                <a:spcPts val="0"/>
+              </a:spcBef>
+              <a:spcAft>
+                <a:spcPts val="0"/>
+              </a:spcAft>
+              <a:buClrTx/>
+              <a:buSzTx/>
+              <a:buFontTx/>
+              <a:buNone/>
+              <a:tabLst/>
+              <a:defRPr/>
+            </a:pPr>
+            <a:r>
+              <a:rPr lang="en-US" dirty="0"/>
+              <a:t>Tip: Add your own speaker notes here.</a:t>
+            </a:r>
           </a:p>
         </p:txBody>
       </p:sp>
@@ -6624,9 +6639,9 @@
             <a:fld id="{F7EBFB8C-BBFF-4397-A51C-1E92596422A9}" type="slidenum">
               <a:rPr lang="en-US" smtClean="0"/>
               <a:pPr/>
-              <a:t>2</a:t>
+              <a:t>3</a:t>
             </a:fld>
-            <a:endParaRPr lang="en-US"/>
+            <a:endParaRPr lang="en-US" dirty="0"/>
           </a:p>
         </p:txBody>
       </p:sp>
@@ -6726,7 +6741,7 @@
             <a:fld id="{F7EBFB8C-BBFF-4397-A51C-1E92596422A9}" type="slidenum">
               <a:rPr lang="en-US" smtClean="0"/>
               <a:pPr/>
-              <a:t>3</a:t>
+              <a:t>4</a:t>
             </a:fld>
             <a:endParaRPr lang="en-US" dirty="0"/>
           </a:p>
@@ -6786,27 +6801,7 @@
           </a:bodyPr>
           <a:lstStyle/>
           <a:p>
-            <a:pPr marL="0" marR="0" indent="0" algn="l" defTabSz="914400" rtl="0" eaLnBrk="1" fontAlgn="auto" latinLnBrk="0" hangingPunct="1">
-              <a:lnSpc>
-                <a:spcPct val="100000"/>
-              </a:lnSpc>
-              <a:spcBef>
-                <a:spcPts val="0"/>
-              </a:spcBef>
-              <a:spcAft>
-                <a:spcPts val="0"/>
-              </a:spcAft>
-              <a:buClrTx/>
-              <a:buSzTx/>
-              <a:buFontTx/>
-              <a:buNone/>
-              <a:tabLst/>
-              <a:defRPr/>
-            </a:pPr>
-            <a:r>
-              <a:rPr lang="en-US" dirty="0"/>
-              <a:t>Tip: Add your own speaker notes here.</a:t>
-            </a:r>
+            <a:endParaRPr lang="en-US" dirty="0"/>
           </a:p>
         </p:txBody>
       </p:sp>
@@ -6828,9 +6823,9 @@
             <a:fld id="{F7EBFB8C-BBFF-4397-A51C-1E92596422A9}" type="slidenum">
               <a:rPr lang="en-US" smtClean="0"/>
               <a:pPr/>
-              <a:t>4</a:t>
+              <a:t>5</a:t>
             </a:fld>
-            <a:endParaRPr lang="en-US" dirty="0"/>
+            <a:endParaRPr lang="en-US"/>
           </a:p>
         </p:txBody>
       </p:sp>
@@ -6888,7 +6883,7 @@
           </a:bodyPr>
           <a:lstStyle/>
           <a:p>
-            <a:endParaRPr lang="en-US" dirty="0"/>
+            <a:endParaRPr lang="en-US"/>
           </a:p>
         </p:txBody>
       </p:sp>
@@ -6910,7 +6905,7 @@
             <a:fld id="{F7EBFB8C-BBFF-4397-A51C-1E92596422A9}" type="slidenum">
               <a:rPr lang="en-US" smtClean="0"/>
               <a:pPr/>
-              <a:t>5</a:t>
+              <a:t>6</a:t>
             </a:fld>
             <a:endParaRPr lang="en-US"/>
           </a:p>
@@ -6970,7 +6965,27 @@
           </a:bodyPr>
           <a:lstStyle/>
           <a:p>
-            <a:endParaRPr lang="en-US"/>
+            <a:pPr marL="0" marR="0" indent="0" algn="l" defTabSz="914400" rtl="0" eaLnBrk="1" fontAlgn="auto" latinLnBrk="0" hangingPunct="1">
+              <a:lnSpc>
+                <a:spcPct val="100000"/>
+              </a:lnSpc>
+              <a:spcBef>
+                <a:spcPts val="0"/>
+              </a:spcBef>
+              <a:spcAft>
+                <a:spcPts val="0"/>
+              </a:spcAft>
+              <a:buClrTx/>
+              <a:buSzTx/>
+              <a:buFontTx/>
+              <a:buNone/>
+              <a:tabLst/>
+              <a:defRPr/>
+            </a:pPr>
+            <a:r>
+              <a:rPr lang="en-US" dirty="0"/>
+              <a:t>Tip: Add your own speaker notes here.</a:t>
+            </a:r>
           </a:p>
         </p:txBody>
       </p:sp>
@@ -6992,9 +7007,9 @@
             <a:fld id="{F7EBFB8C-BBFF-4397-A51C-1E92596422A9}" type="slidenum">
               <a:rPr lang="en-US" smtClean="0"/>
               <a:pPr/>
-              <a:t>6</a:t>
+              <a:t>7</a:t>
             </a:fld>
-            <a:endParaRPr lang="en-US"/>
+            <a:endParaRPr lang="en-US" dirty="0"/>
           </a:p>
         </p:txBody>
       </p:sp>
@@ -7052,27 +7067,7 @@
           </a:bodyPr>
           <a:lstStyle/>
           <a:p>
-            <a:pPr marL="0" marR="0" indent="0" algn="l" defTabSz="914400" rtl="0" eaLnBrk="1" fontAlgn="auto" latinLnBrk="0" hangingPunct="1">
-              <a:lnSpc>
-                <a:spcPct val="100000"/>
-              </a:lnSpc>
-              <a:spcBef>
-                <a:spcPts val="0"/>
-              </a:spcBef>
-              <a:spcAft>
-                <a:spcPts val="0"/>
-              </a:spcAft>
-              <a:buClrTx/>
-              <a:buSzTx/>
-              <a:buFontTx/>
-              <a:buNone/>
-              <a:tabLst/>
-              <a:defRPr/>
-            </a:pPr>
-            <a:r>
-              <a:rPr lang="en-US" dirty="0"/>
-              <a:t>Tip: Add your own speaker notes here.</a:t>
-            </a:r>
+            <a:endParaRPr lang="en-US"/>
           </a:p>
         </p:txBody>
       </p:sp>
@@ -7094,9 +7089,9 @@
             <a:fld id="{F7EBFB8C-BBFF-4397-A51C-1E92596422A9}" type="slidenum">
               <a:rPr lang="en-US" smtClean="0"/>
               <a:pPr/>
-              <a:t>7</a:t>
+              <a:t>8</a:t>
             </a:fld>
-            <a:endParaRPr lang="en-US" dirty="0"/>
+            <a:endParaRPr lang="en-US"/>
           </a:p>
         </p:txBody>
       </p:sp>
@@ -7176,7 +7171,7 @@
             <a:fld id="{F7EBFB8C-BBFF-4397-A51C-1E92596422A9}" type="slidenum">
               <a:rPr lang="en-US" smtClean="0"/>
               <a:pPr/>
-              <a:t>8</a:t>
+              <a:t>9</a:t>
             </a:fld>
             <a:endParaRPr lang="en-US"/>
           </a:p>
@@ -7236,7 +7231,27 @@
           </a:bodyPr>
           <a:lstStyle/>
           <a:p>
-            <a:endParaRPr lang="en-US"/>
+            <a:pPr marL="0" marR="0" indent="0" algn="l" defTabSz="914400" rtl="0" eaLnBrk="1" fontAlgn="auto" latinLnBrk="0" hangingPunct="1">
+              <a:lnSpc>
+                <a:spcPct val="100000"/>
+              </a:lnSpc>
+              <a:spcBef>
+                <a:spcPts val="0"/>
+              </a:spcBef>
+              <a:spcAft>
+                <a:spcPts val="0"/>
+              </a:spcAft>
+              <a:buClrTx/>
+              <a:buSzTx/>
+              <a:buFontTx/>
+              <a:buNone/>
+              <a:tabLst/>
+              <a:defRPr/>
+            </a:pPr>
+            <a:r>
+              <a:rPr lang="en-US" dirty="0"/>
+              <a:t>Tip: Add your own speaker notes here.</a:t>
+            </a:r>
           </a:p>
         </p:txBody>
       </p:sp>
@@ -7258,9 +7273,9 @@
             <a:fld id="{F7EBFB8C-BBFF-4397-A51C-1E92596422A9}" type="slidenum">
               <a:rPr lang="en-US" smtClean="0"/>
               <a:pPr/>
-              <a:t>9</a:t>
+              <a:t>10</a:t>
             </a:fld>
-            <a:endParaRPr lang="en-US"/>
+            <a:endParaRPr lang="en-US" dirty="0"/>
           </a:p>
         </p:txBody>
       </p:sp>
@@ -7294,7 +7309,7 @@
           <p:cNvPr id="2" name="Title 1">
             <a:extLst>
               <a:ext uri="{FF2B5EF4-FFF2-40B4-BE49-F238E27FC236}">
-                <a16:creationId xmlns:a16="http://schemas.microsoft.com/office/drawing/2014/main" id="{EF62F005-CC5B-411A-BCFE-A2326EB394BD}"/>
+                <a16:creationId xmlns:a16="http://schemas.microsoft.com/office/drawing/2014/main" xmlns="" id="{EF62F005-CC5B-411A-BCFE-A2326EB394BD}"/>
               </a:ext>
             </a:extLst>
           </p:cNvPr>
@@ -7331,7 +7346,7 @@
           <p:cNvPr id="3" name="Subtitle 2">
             <a:extLst>
               <a:ext uri="{FF2B5EF4-FFF2-40B4-BE49-F238E27FC236}">
-                <a16:creationId xmlns:a16="http://schemas.microsoft.com/office/drawing/2014/main" id="{44B8C0D5-E5CA-41A2-AFAE-F25F8D0D262E}"/>
+                <a16:creationId xmlns:a16="http://schemas.microsoft.com/office/drawing/2014/main" xmlns="" id="{44B8C0D5-E5CA-41A2-AFAE-F25F8D0D262E}"/>
               </a:ext>
             </a:extLst>
           </p:cNvPr>
@@ -7401,7 +7416,7 @@
           <p:cNvPr id="4" name="Date Placeholder 3">
             <a:extLst>
               <a:ext uri="{FF2B5EF4-FFF2-40B4-BE49-F238E27FC236}">
-                <a16:creationId xmlns:a16="http://schemas.microsoft.com/office/drawing/2014/main" id="{EE06B921-B73B-4F3C-AC73-8FAD3B0345AA}"/>
+                <a16:creationId xmlns:a16="http://schemas.microsoft.com/office/drawing/2014/main" xmlns="" id="{EE06B921-B73B-4F3C-AC73-8FAD3B0345AA}"/>
               </a:ext>
             </a:extLst>
           </p:cNvPr>
@@ -7420,7 +7435,7 @@
             <a:fld id="{D80A4771-C6EF-4B99-81F4-D30BE4E017A0}" type="datetimeFigureOut">
               <a:rPr lang="en-US" smtClean="0"/>
               <a:pPr/>
-              <a:t>10/20/2017</a:t>
+              <a:t>11/14/17</a:t>
             </a:fld>
             <a:endParaRPr lang="en-US"/>
           </a:p>
@@ -7431,7 +7446,7 @@
           <p:cNvPr id="5" name="Footer Placeholder 4">
             <a:extLst>
               <a:ext uri="{FF2B5EF4-FFF2-40B4-BE49-F238E27FC236}">
-                <a16:creationId xmlns:a16="http://schemas.microsoft.com/office/drawing/2014/main" id="{C4CD6498-65A5-4774-BFB6-8E226562D2D8}"/>
+                <a16:creationId xmlns:a16="http://schemas.microsoft.com/office/drawing/2014/main" xmlns="" id="{C4CD6498-65A5-4774-BFB6-8E226562D2D8}"/>
               </a:ext>
             </a:extLst>
           </p:cNvPr>
@@ -7456,7 +7471,7 @@
           <p:cNvPr id="6" name="Slide Number Placeholder 5">
             <a:extLst>
               <a:ext uri="{FF2B5EF4-FFF2-40B4-BE49-F238E27FC236}">
-                <a16:creationId xmlns:a16="http://schemas.microsoft.com/office/drawing/2014/main" id="{8EAC2A6D-E649-4B82-A2AC-3F0457C62CBD}"/>
+                <a16:creationId xmlns:a16="http://schemas.microsoft.com/office/drawing/2014/main" xmlns="" id="{8EAC2A6D-E649-4B82-A2AC-3F0457C62CBD}"/>
               </a:ext>
             </a:extLst>
           </p:cNvPr>
@@ -7516,7 +7531,7 @@
           <p:cNvPr id="2" name="Title 1">
             <a:extLst>
               <a:ext uri="{FF2B5EF4-FFF2-40B4-BE49-F238E27FC236}">
-                <a16:creationId xmlns:a16="http://schemas.microsoft.com/office/drawing/2014/main" id="{62B219B4-D1E1-4440-88C4-F4E69AA75A45}"/>
+                <a16:creationId xmlns:a16="http://schemas.microsoft.com/office/drawing/2014/main" xmlns="" id="{62B219B4-D1E1-4440-88C4-F4E69AA75A45}"/>
               </a:ext>
             </a:extLst>
           </p:cNvPr>
@@ -7544,7 +7559,7 @@
           <p:cNvPr id="3" name="Vertical Text Placeholder 2">
             <a:extLst>
               <a:ext uri="{FF2B5EF4-FFF2-40B4-BE49-F238E27FC236}">
-                <a16:creationId xmlns:a16="http://schemas.microsoft.com/office/drawing/2014/main" id="{72EC109F-9F3F-42A0-B784-144ABE7BE48D}"/>
+                <a16:creationId xmlns:a16="http://schemas.microsoft.com/office/drawing/2014/main" xmlns="" id="{72EC109F-9F3F-42A0-B784-144ABE7BE48D}"/>
               </a:ext>
             </a:extLst>
           </p:cNvPr>
@@ -7601,7 +7616,7 @@
           <p:cNvPr id="4" name="Date Placeholder 3">
             <a:extLst>
               <a:ext uri="{FF2B5EF4-FFF2-40B4-BE49-F238E27FC236}">
-                <a16:creationId xmlns:a16="http://schemas.microsoft.com/office/drawing/2014/main" id="{0A99AE38-8851-4DEB-B433-1AA7ABF06D38}"/>
+                <a16:creationId xmlns:a16="http://schemas.microsoft.com/office/drawing/2014/main" xmlns="" id="{0A99AE38-8851-4DEB-B433-1AA7ABF06D38}"/>
               </a:ext>
             </a:extLst>
           </p:cNvPr>
@@ -7620,7 +7635,7 @@
             <a:fld id="{D80A4771-C6EF-4B99-81F4-D30BE4E017A0}" type="datetimeFigureOut">
               <a:rPr lang="en-US" smtClean="0"/>
               <a:pPr/>
-              <a:t>10/20/2017</a:t>
+              <a:t>11/14/17</a:t>
             </a:fld>
             <a:endParaRPr lang="en-US"/>
           </a:p>
@@ -7631,7 +7646,7 @@
           <p:cNvPr id="5" name="Footer Placeholder 4">
             <a:extLst>
               <a:ext uri="{FF2B5EF4-FFF2-40B4-BE49-F238E27FC236}">
-                <a16:creationId xmlns:a16="http://schemas.microsoft.com/office/drawing/2014/main" id="{F0E2ED4C-15C7-4C9A-A8F3-57F0F7D79A51}"/>
+                <a16:creationId xmlns:a16="http://schemas.microsoft.com/office/drawing/2014/main" xmlns="" id="{F0E2ED4C-15C7-4C9A-A8F3-57F0F7D79A51}"/>
               </a:ext>
             </a:extLst>
           </p:cNvPr>
@@ -7656,7 +7671,7 @@
           <p:cNvPr id="6" name="Slide Number Placeholder 5">
             <a:extLst>
               <a:ext uri="{FF2B5EF4-FFF2-40B4-BE49-F238E27FC236}">
-                <a16:creationId xmlns:a16="http://schemas.microsoft.com/office/drawing/2014/main" id="{428464E3-6115-46D1-B0FB-3FB9344CB1E9}"/>
+                <a16:creationId xmlns:a16="http://schemas.microsoft.com/office/drawing/2014/main" xmlns="" id="{428464E3-6115-46D1-B0FB-3FB9344CB1E9}"/>
               </a:ext>
             </a:extLst>
           </p:cNvPr>
@@ -7716,7 +7731,7 @@
           <p:cNvPr id="2" name="Vertical Title 1">
             <a:extLst>
               <a:ext uri="{FF2B5EF4-FFF2-40B4-BE49-F238E27FC236}">
-                <a16:creationId xmlns:a16="http://schemas.microsoft.com/office/drawing/2014/main" id="{1F097C54-8844-44D0-8AE8-A94B7A708EBD}"/>
+                <a16:creationId xmlns:a16="http://schemas.microsoft.com/office/drawing/2014/main" xmlns="" id="{1F097C54-8844-44D0-8AE8-A94B7A708EBD}"/>
               </a:ext>
             </a:extLst>
           </p:cNvPr>
@@ -7749,7 +7764,7 @@
           <p:cNvPr id="3" name="Vertical Text Placeholder 2">
             <a:extLst>
               <a:ext uri="{FF2B5EF4-FFF2-40B4-BE49-F238E27FC236}">
-                <a16:creationId xmlns:a16="http://schemas.microsoft.com/office/drawing/2014/main" id="{C610BEE7-C690-4CF7-A739-0AD34FC377BC}"/>
+                <a16:creationId xmlns:a16="http://schemas.microsoft.com/office/drawing/2014/main" xmlns="" id="{C610BEE7-C690-4CF7-A739-0AD34FC377BC}"/>
               </a:ext>
             </a:extLst>
           </p:cNvPr>
@@ -7811,7 +7826,7 @@
           <p:cNvPr id="4" name="Date Placeholder 3">
             <a:extLst>
               <a:ext uri="{FF2B5EF4-FFF2-40B4-BE49-F238E27FC236}">
-                <a16:creationId xmlns:a16="http://schemas.microsoft.com/office/drawing/2014/main" id="{8A220CF4-3BBA-47DF-A59A-A723B1EE625B}"/>
+                <a16:creationId xmlns:a16="http://schemas.microsoft.com/office/drawing/2014/main" xmlns="" id="{8A220CF4-3BBA-47DF-A59A-A723B1EE625B}"/>
               </a:ext>
             </a:extLst>
           </p:cNvPr>
@@ -7830,7 +7845,7 @@
             <a:fld id="{D80A4771-C6EF-4B99-81F4-D30BE4E017A0}" type="datetimeFigureOut">
               <a:rPr lang="en-US" smtClean="0"/>
               <a:pPr/>
-              <a:t>10/20/2017</a:t>
+              <a:t>11/14/17</a:t>
             </a:fld>
             <a:endParaRPr lang="en-US"/>
           </a:p>
@@ -7841,7 +7856,7 @@
           <p:cNvPr id="5" name="Footer Placeholder 4">
             <a:extLst>
               <a:ext uri="{FF2B5EF4-FFF2-40B4-BE49-F238E27FC236}">
-                <a16:creationId xmlns:a16="http://schemas.microsoft.com/office/drawing/2014/main" id="{642A8EC3-C079-4F92-BEAC-C4BA5E2EFDE0}"/>
+                <a16:creationId xmlns:a16="http://schemas.microsoft.com/office/drawing/2014/main" xmlns="" id="{642A8EC3-C079-4F92-BEAC-C4BA5E2EFDE0}"/>
               </a:ext>
             </a:extLst>
           </p:cNvPr>
@@ -7866,7 +7881,7 @@
           <p:cNvPr id="6" name="Slide Number Placeholder 5">
             <a:extLst>
               <a:ext uri="{FF2B5EF4-FFF2-40B4-BE49-F238E27FC236}">
-                <a16:creationId xmlns:a16="http://schemas.microsoft.com/office/drawing/2014/main" id="{E59EC09A-4A3E-4CE1-8F0D-0ACB834DC06F}"/>
+                <a16:creationId xmlns:a16="http://schemas.microsoft.com/office/drawing/2014/main" xmlns="" id="{E59EC09A-4A3E-4CE1-8F0D-0ACB834DC06F}"/>
               </a:ext>
             </a:extLst>
           </p:cNvPr>
@@ -7926,7 +7941,7 @@
           <p:cNvPr id="2" name="Title 1">
             <a:extLst>
               <a:ext uri="{FF2B5EF4-FFF2-40B4-BE49-F238E27FC236}">
-                <a16:creationId xmlns:a16="http://schemas.microsoft.com/office/drawing/2014/main" id="{F13DFD35-0A57-4BA9-9E65-EEFC1A63FB70}"/>
+                <a16:creationId xmlns:a16="http://schemas.microsoft.com/office/drawing/2014/main" xmlns="" id="{F13DFD35-0A57-4BA9-9E65-EEFC1A63FB70}"/>
               </a:ext>
             </a:extLst>
           </p:cNvPr>
@@ -7954,7 +7969,7 @@
           <p:cNvPr id="3" name="Content Placeholder 2">
             <a:extLst>
               <a:ext uri="{FF2B5EF4-FFF2-40B4-BE49-F238E27FC236}">
-                <a16:creationId xmlns:a16="http://schemas.microsoft.com/office/drawing/2014/main" id="{DE6DB6F6-21CA-4C9C-87B9-3DFBAB2ACC8F}"/>
+                <a16:creationId xmlns:a16="http://schemas.microsoft.com/office/drawing/2014/main" xmlns="" id="{DE6DB6F6-21CA-4C9C-87B9-3DFBAB2ACC8F}"/>
               </a:ext>
             </a:extLst>
           </p:cNvPr>
@@ -8011,7 +8026,7 @@
           <p:cNvPr id="4" name="Date Placeholder 3">
             <a:extLst>
               <a:ext uri="{FF2B5EF4-FFF2-40B4-BE49-F238E27FC236}">
-                <a16:creationId xmlns:a16="http://schemas.microsoft.com/office/drawing/2014/main" id="{56BA463D-D69B-4B79-BEE4-67AFF88296BC}"/>
+                <a16:creationId xmlns:a16="http://schemas.microsoft.com/office/drawing/2014/main" xmlns="" id="{56BA463D-D69B-4B79-BEE4-67AFF88296BC}"/>
               </a:ext>
             </a:extLst>
           </p:cNvPr>
@@ -8030,7 +8045,7 @@
             <a:fld id="{D80A4771-C6EF-4B99-81F4-D30BE4E017A0}" type="datetimeFigureOut">
               <a:rPr lang="en-US" smtClean="0"/>
               <a:pPr/>
-              <a:t>10/20/2017</a:t>
+              <a:t>11/14/17</a:t>
             </a:fld>
             <a:endParaRPr lang="en-US"/>
           </a:p>
@@ -8041,7 +8056,7 @@
           <p:cNvPr id="5" name="Footer Placeholder 4">
             <a:extLst>
               <a:ext uri="{FF2B5EF4-FFF2-40B4-BE49-F238E27FC236}">
-                <a16:creationId xmlns:a16="http://schemas.microsoft.com/office/drawing/2014/main" id="{B9DAB6B9-6530-4B15-9E77-B482FABE60A5}"/>
+                <a16:creationId xmlns:a16="http://schemas.microsoft.com/office/drawing/2014/main" xmlns="" id="{B9DAB6B9-6530-4B15-9E77-B482FABE60A5}"/>
               </a:ext>
             </a:extLst>
           </p:cNvPr>
@@ -8066,7 +8081,7 @@
           <p:cNvPr id="6" name="Slide Number Placeholder 5">
             <a:extLst>
               <a:ext uri="{FF2B5EF4-FFF2-40B4-BE49-F238E27FC236}">
-                <a16:creationId xmlns:a16="http://schemas.microsoft.com/office/drawing/2014/main" id="{3EB5EEAD-4214-4CA6-9E61-C73E44BE1E85}"/>
+                <a16:creationId xmlns:a16="http://schemas.microsoft.com/office/drawing/2014/main" xmlns="" id="{3EB5EEAD-4214-4CA6-9E61-C73E44BE1E85}"/>
               </a:ext>
             </a:extLst>
           </p:cNvPr>
@@ -8126,7 +8141,7 @@
           <p:cNvPr id="2" name="Title 1">
             <a:extLst>
               <a:ext uri="{FF2B5EF4-FFF2-40B4-BE49-F238E27FC236}">
-                <a16:creationId xmlns:a16="http://schemas.microsoft.com/office/drawing/2014/main" id="{4A068B3D-DA2A-4F73-AF59-09636DE6A49E}"/>
+                <a16:creationId xmlns:a16="http://schemas.microsoft.com/office/drawing/2014/main" xmlns="" id="{4A068B3D-DA2A-4F73-AF59-09636DE6A49E}"/>
               </a:ext>
             </a:extLst>
           </p:cNvPr>
@@ -8163,7 +8178,7 @@
           <p:cNvPr id="3" name="Text Placeholder 2">
             <a:extLst>
               <a:ext uri="{FF2B5EF4-FFF2-40B4-BE49-F238E27FC236}">
-                <a16:creationId xmlns:a16="http://schemas.microsoft.com/office/drawing/2014/main" id="{D80F7779-D931-4C2A-8B8A-BEE2604D5428}"/>
+                <a16:creationId xmlns:a16="http://schemas.microsoft.com/office/drawing/2014/main" xmlns="" id="{D80F7779-D931-4C2A-8B8A-BEE2604D5428}"/>
               </a:ext>
             </a:extLst>
           </p:cNvPr>
@@ -8288,7 +8303,7 @@
           <p:cNvPr id="4" name="Date Placeholder 3">
             <a:extLst>
               <a:ext uri="{FF2B5EF4-FFF2-40B4-BE49-F238E27FC236}">
-                <a16:creationId xmlns:a16="http://schemas.microsoft.com/office/drawing/2014/main" id="{7279507B-5504-47C3-BF47-609C1A49FC0D}"/>
+                <a16:creationId xmlns:a16="http://schemas.microsoft.com/office/drawing/2014/main" xmlns="" id="{7279507B-5504-47C3-BF47-609C1A49FC0D}"/>
               </a:ext>
             </a:extLst>
           </p:cNvPr>
@@ -8307,7 +8322,7 @@
             <a:fld id="{D80A4771-C6EF-4B99-81F4-D30BE4E017A0}" type="datetimeFigureOut">
               <a:rPr lang="en-US" smtClean="0"/>
               <a:pPr/>
-              <a:t>10/20/2017</a:t>
+              <a:t>11/14/17</a:t>
             </a:fld>
             <a:endParaRPr lang="en-US"/>
           </a:p>
@@ -8318,7 +8333,7 @@
           <p:cNvPr id="5" name="Footer Placeholder 4">
             <a:extLst>
               <a:ext uri="{FF2B5EF4-FFF2-40B4-BE49-F238E27FC236}">
-                <a16:creationId xmlns:a16="http://schemas.microsoft.com/office/drawing/2014/main" id="{35F40C0C-29A0-4C59-AE9A-8876792126BB}"/>
+                <a16:creationId xmlns:a16="http://schemas.microsoft.com/office/drawing/2014/main" xmlns="" id="{35F40C0C-29A0-4C59-AE9A-8876792126BB}"/>
               </a:ext>
             </a:extLst>
           </p:cNvPr>
@@ -8343,7 +8358,7 @@
           <p:cNvPr id="6" name="Slide Number Placeholder 5">
             <a:extLst>
               <a:ext uri="{FF2B5EF4-FFF2-40B4-BE49-F238E27FC236}">
-                <a16:creationId xmlns:a16="http://schemas.microsoft.com/office/drawing/2014/main" id="{311409A7-459E-4512-8840-9FAD1132E4E3}"/>
+                <a16:creationId xmlns:a16="http://schemas.microsoft.com/office/drawing/2014/main" xmlns="" id="{311409A7-459E-4512-8840-9FAD1132E4E3}"/>
               </a:ext>
             </a:extLst>
           </p:cNvPr>
@@ -8403,7 +8418,7 @@
           <p:cNvPr id="2" name="Title 1">
             <a:extLst>
               <a:ext uri="{FF2B5EF4-FFF2-40B4-BE49-F238E27FC236}">
-                <a16:creationId xmlns:a16="http://schemas.microsoft.com/office/drawing/2014/main" id="{19D447F8-2AC8-482F-801B-D6B216618320}"/>
+                <a16:creationId xmlns:a16="http://schemas.microsoft.com/office/drawing/2014/main" xmlns="" id="{19D447F8-2AC8-482F-801B-D6B216618320}"/>
               </a:ext>
             </a:extLst>
           </p:cNvPr>
@@ -8431,7 +8446,7 @@
           <p:cNvPr id="3" name="Content Placeholder 2">
             <a:extLst>
               <a:ext uri="{FF2B5EF4-FFF2-40B4-BE49-F238E27FC236}">
-                <a16:creationId xmlns:a16="http://schemas.microsoft.com/office/drawing/2014/main" id="{679AF0D3-4DD1-4E34-AE7A-37700AA43156}"/>
+                <a16:creationId xmlns:a16="http://schemas.microsoft.com/office/drawing/2014/main" xmlns="" id="{679AF0D3-4DD1-4E34-AE7A-37700AA43156}"/>
               </a:ext>
             </a:extLst>
           </p:cNvPr>
@@ -8493,7 +8508,7 @@
           <p:cNvPr id="4" name="Content Placeholder 3">
             <a:extLst>
               <a:ext uri="{FF2B5EF4-FFF2-40B4-BE49-F238E27FC236}">
-                <a16:creationId xmlns:a16="http://schemas.microsoft.com/office/drawing/2014/main" id="{97ED4C1C-3F3F-44F6-8EB4-8BFA178FA606}"/>
+                <a16:creationId xmlns:a16="http://schemas.microsoft.com/office/drawing/2014/main" xmlns="" id="{97ED4C1C-3F3F-44F6-8EB4-8BFA178FA606}"/>
               </a:ext>
             </a:extLst>
           </p:cNvPr>
@@ -8555,7 +8570,7 @@
           <p:cNvPr id="5" name="Date Placeholder 4">
             <a:extLst>
               <a:ext uri="{FF2B5EF4-FFF2-40B4-BE49-F238E27FC236}">
-                <a16:creationId xmlns:a16="http://schemas.microsoft.com/office/drawing/2014/main" id="{BD3DEEA9-BC7F-4E3E-915F-7C6A6C545EC1}"/>
+                <a16:creationId xmlns:a16="http://schemas.microsoft.com/office/drawing/2014/main" xmlns="" id="{BD3DEEA9-BC7F-4E3E-915F-7C6A6C545EC1}"/>
               </a:ext>
             </a:extLst>
           </p:cNvPr>
@@ -8574,7 +8589,7 @@
             <a:fld id="{D80A4771-C6EF-4B99-81F4-D30BE4E017A0}" type="datetimeFigureOut">
               <a:rPr lang="en-US" smtClean="0"/>
               <a:pPr/>
-              <a:t>10/20/2017</a:t>
+              <a:t>11/14/17</a:t>
             </a:fld>
             <a:endParaRPr lang="en-US"/>
           </a:p>
@@ -8585,7 +8600,7 @@
           <p:cNvPr id="6" name="Footer Placeholder 5">
             <a:extLst>
               <a:ext uri="{FF2B5EF4-FFF2-40B4-BE49-F238E27FC236}">
-                <a16:creationId xmlns:a16="http://schemas.microsoft.com/office/drawing/2014/main" id="{A4F5B6C6-F07A-492A-B18B-E43A0BA98A7C}"/>
+                <a16:creationId xmlns:a16="http://schemas.microsoft.com/office/drawing/2014/main" xmlns="" id="{A4F5B6C6-F07A-492A-B18B-E43A0BA98A7C}"/>
               </a:ext>
             </a:extLst>
           </p:cNvPr>
@@ -8610,7 +8625,7 @@
           <p:cNvPr id="7" name="Slide Number Placeholder 6">
             <a:extLst>
               <a:ext uri="{FF2B5EF4-FFF2-40B4-BE49-F238E27FC236}">
-                <a16:creationId xmlns:a16="http://schemas.microsoft.com/office/drawing/2014/main" id="{C9C55B93-3C7B-4E2A-B932-36757CCF6ADC}"/>
+                <a16:creationId xmlns:a16="http://schemas.microsoft.com/office/drawing/2014/main" xmlns="" id="{C9C55B93-3C7B-4E2A-B932-36757CCF6ADC}"/>
               </a:ext>
             </a:extLst>
           </p:cNvPr>
@@ -8670,7 +8685,7 @@
           <p:cNvPr id="2" name="Title 1">
             <a:extLst>
               <a:ext uri="{FF2B5EF4-FFF2-40B4-BE49-F238E27FC236}">
-                <a16:creationId xmlns:a16="http://schemas.microsoft.com/office/drawing/2014/main" id="{9DB1CD27-8F3D-4EF3-A08C-AA0FAB87A512}"/>
+                <a16:creationId xmlns:a16="http://schemas.microsoft.com/office/drawing/2014/main" xmlns="" id="{9DB1CD27-8F3D-4EF3-A08C-AA0FAB87A512}"/>
               </a:ext>
             </a:extLst>
           </p:cNvPr>
@@ -8703,7 +8718,7 @@
           <p:cNvPr id="3" name="Text Placeholder 2">
             <a:extLst>
               <a:ext uri="{FF2B5EF4-FFF2-40B4-BE49-F238E27FC236}">
-                <a16:creationId xmlns:a16="http://schemas.microsoft.com/office/drawing/2014/main" id="{99360D2C-3258-4992-905E-3B69530FDA8E}"/>
+                <a16:creationId xmlns:a16="http://schemas.microsoft.com/office/drawing/2014/main" xmlns="" id="{99360D2C-3258-4992-905E-3B69530FDA8E}"/>
               </a:ext>
             </a:extLst>
           </p:cNvPr>
@@ -8774,7 +8789,7 @@
           <p:cNvPr id="4" name="Content Placeholder 3">
             <a:extLst>
               <a:ext uri="{FF2B5EF4-FFF2-40B4-BE49-F238E27FC236}">
-                <a16:creationId xmlns:a16="http://schemas.microsoft.com/office/drawing/2014/main" id="{32B4D85F-D28B-4774-912C-474E1B361CD0}"/>
+                <a16:creationId xmlns:a16="http://schemas.microsoft.com/office/drawing/2014/main" xmlns="" id="{32B4D85F-D28B-4774-912C-474E1B361CD0}"/>
               </a:ext>
             </a:extLst>
           </p:cNvPr>
@@ -8836,7 +8851,7 @@
           <p:cNvPr id="5" name="Text Placeholder 4">
             <a:extLst>
               <a:ext uri="{FF2B5EF4-FFF2-40B4-BE49-F238E27FC236}">
-                <a16:creationId xmlns:a16="http://schemas.microsoft.com/office/drawing/2014/main" id="{A09DB0E6-8A99-4F49-A18F-C6A50AF52991}"/>
+                <a16:creationId xmlns:a16="http://schemas.microsoft.com/office/drawing/2014/main" xmlns="" id="{A09DB0E6-8A99-4F49-A18F-C6A50AF52991}"/>
               </a:ext>
             </a:extLst>
           </p:cNvPr>
@@ -8907,7 +8922,7 @@
           <p:cNvPr id="6" name="Content Placeholder 5">
             <a:extLst>
               <a:ext uri="{FF2B5EF4-FFF2-40B4-BE49-F238E27FC236}">
-                <a16:creationId xmlns:a16="http://schemas.microsoft.com/office/drawing/2014/main" id="{48DBF4C8-BDB8-4090-B6A6-0FD4C438D4A8}"/>
+                <a16:creationId xmlns:a16="http://schemas.microsoft.com/office/drawing/2014/main" xmlns="" id="{48DBF4C8-BDB8-4090-B6A6-0FD4C438D4A8}"/>
               </a:ext>
             </a:extLst>
           </p:cNvPr>
@@ -8969,7 +8984,7 @@
           <p:cNvPr id="7" name="Date Placeholder 6">
             <a:extLst>
               <a:ext uri="{FF2B5EF4-FFF2-40B4-BE49-F238E27FC236}">
-                <a16:creationId xmlns:a16="http://schemas.microsoft.com/office/drawing/2014/main" id="{47E1E7B0-9F08-441B-9366-7E887F236A2E}"/>
+                <a16:creationId xmlns:a16="http://schemas.microsoft.com/office/drawing/2014/main" xmlns="" id="{47E1E7B0-9F08-441B-9366-7E887F236A2E}"/>
               </a:ext>
             </a:extLst>
           </p:cNvPr>
@@ -8988,7 +9003,7 @@
             <a:fld id="{D80A4771-C6EF-4B99-81F4-D30BE4E017A0}" type="datetimeFigureOut">
               <a:rPr lang="en-US" smtClean="0"/>
               <a:pPr/>
-              <a:t>10/20/2017</a:t>
+              <a:t>11/14/17</a:t>
             </a:fld>
             <a:endParaRPr lang="en-US"/>
           </a:p>
@@ -8999,7 +9014,7 @@
           <p:cNvPr id="8" name="Footer Placeholder 7">
             <a:extLst>
               <a:ext uri="{FF2B5EF4-FFF2-40B4-BE49-F238E27FC236}">
-                <a16:creationId xmlns:a16="http://schemas.microsoft.com/office/drawing/2014/main" id="{CE543C9C-B624-4A43-A56C-BF48606BA600}"/>
+                <a16:creationId xmlns:a16="http://schemas.microsoft.com/office/drawing/2014/main" xmlns="" id="{CE543C9C-B624-4A43-A56C-BF48606BA600}"/>
               </a:ext>
             </a:extLst>
           </p:cNvPr>
@@ -9024,7 +9039,7 @@
           <p:cNvPr id="9" name="Slide Number Placeholder 8">
             <a:extLst>
               <a:ext uri="{FF2B5EF4-FFF2-40B4-BE49-F238E27FC236}">
-                <a16:creationId xmlns:a16="http://schemas.microsoft.com/office/drawing/2014/main" id="{487A816F-C6AA-44D5-97D0-17BEC6BE42DE}"/>
+                <a16:creationId xmlns:a16="http://schemas.microsoft.com/office/drawing/2014/main" xmlns="" id="{487A816F-C6AA-44D5-97D0-17BEC6BE42DE}"/>
               </a:ext>
             </a:extLst>
           </p:cNvPr>
@@ -9084,7 +9099,7 @@
           <p:cNvPr id="2" name="Title 1">
             <a:extLst>
               <a:ext uri="{FF2B5EF4-FFF2-40B4-BE49-F238E27FC236}">
-                <a16:creationId xmlns:a16="http://schemas.microsoft.com/office/drawing/2014/main" id="{5EE4A528-DEC3-46DF-BE94-BF095EBA2CD1}"/>
+                <a16:creationId xmlns:a16="http://schemas.microsoft.com/office/drawing/2014/main" xmlns="" id="{5EE4A528-DEC3-46DF-BE94-BF095EBA2CD1}"/>
               </a:ext>
             </a:extLst>
           </p:cNvPr>
@@ -9112,7 +9127,7 @@
           <p:cNvPr id="3" name="Date Placeholder 2">
             <a:extLst>
               <a:ext uri="{FF2B5EF4-FFF2-40B4-BE49-F238E27FC236}">
-                <a16:creationId xmlns:a16="http://schemas.microsoft.com/office/drawing/2014/main" id="{FE3E02F8-3355-4C72-901C-28D00E1FE9EF}"/>
+                <a16:creationId xmlns:a16="http://schemas.microsoft.com/office/drawing/2014/main" xmlns="" id="{FE3E02F8-3355-4C72-901C-28D00E1FE9EF}"/>
               </a:ext>
             </a:extLst>
           </p:cNvPr>
@@ -9131,7 +9146,7 @@
             <a:fld id="{D80A4771-C6EF-4B99-81F4-D30BE4E017A0}" type="datetimeFigureOut">
               <a:rPr lang="en-US" smtClean="0"/>
               <a:pPr/>
-              <a:t>10/20/2017</a:t>
+              <a:t>11/14/17</a:t>
             </a:fld>
             <a:endParaRPr lang="en-US"/>
           </a:p>
@@ -9142,7 +9157,7 @@
           <p:cNvPr id="4" name="Footer Placeholder 3">
             <a:extLst>
               <a:ext uri="{FF2B5EF4-FFF2-40B4-BE49-F238E27FC236}">
-                <a16:creationId xmlns:a16="http://schemas.microsoft.com/office/drawing/2014/main" id="{302C30FB-ED62-47AF-BC26-168358A6D2E9}"/>
+                <a16:creationId xmlns:a16="http://schemas.microsoft.com/office/drawing/2014/main" xmlns="" id="{302C30FB-ED62-47AF-BC26-168358A6D2E9}"/>
               </a:ext>
             </a:extLst>
           </p:cNvPr>
@@ -9167,7 +9182,7 @@
           <p:cNvPr id="5" name="Slide Number Placeholder 4">
             <a:extLst>
               <a:ext uri="{FF2B5EF4-FFF2-40B4-BE49-F238E27FC236}">
-                <a16:creationId xmlns:a16="http://schemas.microsoft.com/office/drawing/2014/main" id="{9BAED19D-C003-4D8C-AF4B-2724ECDCDE67}"/>
+                <a16:creationId xmlns:a16="http://schemas.microsoft.com/office/drawing/2014/main" xmlns="" id="{9BAED19D-C003-4D8C-AF4B-2724ECDCDE67}"/>
               </a:ext>
             </a:extLst>
           </p:cNvPr>
@@ -9227,7 +9242,7 @@
           <p:cNvPr id="2" name="Date Placeholder 1">
             <a:extLst>
               <a:ext uri="{FF2B5EF4-FFF2-40B4-BE49-F238E27FC236}">
-                <a16:creationId xmlns:a16="http://schemas.microsoft.com/office/drawing/2014/main" id="{8F02F1FB-B91C-40F6-A016-80E9E13D1450}"/>
+                <a16:creationId xmlns:a16="http://schemas.microsoft.com/office/drawing/2014/main" xmlns="" id="{8F02F1FB-B91C-40F6-A016-80E9E13D1450}"/>
               </a:ext>
             </a:extLst>
           </p:cNvPr>
@@ -9246,7 +9261,7 @@
             <a:fld id="{D80A4771-C6EF-4B99-81F4-D30BE4E017A0}" type="datetimeFigureOut">
               <a:rPr lang="en-US" smtClean="0"/>
               <a:pPr/>
-              <a:t>10/20/2017</a:t>
+              <a:t>11/14/17</a:t>
             </a:fld>
             <a:endParaRPr lang="en-US"/>
           </a:p>
@@ -9257,7 +9272,7 @@
           <p:cNvPr id="3" name="Footer Placeholder 2">
             <a:extLst>
               <a:ext uri="{FF2B5EF4-FFF2-40B4-BE49-F238E27FC236}">
-                <a16:creationId xmlns:a16="http://schemas.microsoft.com/office/drawing/2014/main" id="{261DA95F-6DF5-4E2D-A132-DB772757A3C3}"/>
+                <a16:creationId xmlns:a16="http://schemas.microsoft.com/office/drawing/2014/main" xmlns="" id="{261DA95F-6DF5-4E2D-A132-DB772757A3C3}"/>
               </a:ext>
             </a:extLst>
           </p:cNvPr>
@@ -9282,7 +9297,7 @@
           <p:cNvPr id="4" name="Slide Number Placeholder 3">
             <a:extLst>
               <a:ext uri="{FF2B5EF4-FFF2-40B4-BE49-F238E27FC236}">
-                <a16:creationId xmlns:a16="http://schemas.microsoft.com/office/drawing/2014/main" id="{C0B32A6D-6F11-4423-97C1-D638F16653EA}"/>
+                <a16:creationId xmlns:a16="http://schemas.microsoft.com/office/drawing/2014/main" xmlns="" id="{C0B32A6D-6F11-4423-97C1-D638F16653EA}"/>
               </a:ext>
             </a:extLst>
           </p:cNvPr>
@@ -9342,7 +9357,7 @@
           <p:cNvPr id="2" name="Title 1">
             <a:extLst>
               <a:ext uri="{FF2B5EF4-FFF2-40B4-BE49-F238E27FC236}">
-                <a16:creationId xmlns:a16="http://schemas.microsoft.com/office/drawing/2014/main" id="{D3BA7CBE-3275-4325-AEF6-22B9EF81DA2B}"/>
+                <a16:creationId xmlns:a16="http://schemas.microsoft.com/office/drawing/2014/main" xmlns="" id="{D3BA7CBE-3275-4325-AEF6-22B9EF81DA2B}"/>
               </a:ext>
             </a:extLst>
           </p:cNvPr>
@@ -9379,7 +9394,7 @@
           <p:cNvPr id="3" name="Content Placeholder 2">
             <a:extLst>
               <a:ext uri="{FF2B5EF4-FFF2-40B4-BE49-F238E27FC236}">
-                <a16:creationId xmlns:a16="http://schemas.microsoft.com/office/drawing/2014/main" id="{E3FB9DAE-EC25-48A3-89DF-FC8E4C3B138B}"/>
+                <a16:creationId xmlns:a16="http://schemas.microsoft.com/office/drawing/2014/main" xmlns="" id="{E3FB9DAE-EC25-48A3-89DF-FC8E4C3B138B}"/>
               </a:ext>
             </a:extLst>
           </p:cNvPr>
@@ -9469,7 +9484,7 @@
           <p:cNvPr id="4" name="Text Placeholder 3">
             <a:extLst>
               <a:ext uri="{FF2B5EF4-FFF2-40B4-BE49-F238E27FC236}">
-                <a16:creationId xmlns:a16="http://schemas.microsoft.com/office/drawing/2014/main" id="{D8ED4F48-F36D-4AE9-9B70-AB9363B5C440}"/>
+                <a16:creationId xmlns:a16="http://schemas.microsoft.com/office/drawing/2014/main" xmlns="" id="{D8ED4F48-F36D-4AE9-9B70-AB9363B5C440}"/>
               </a:ext>
             </a:extLst>
           </p:cNvPr>
@@ -9540,7 +9555,7 @@
           <p:cNvPr id="5" name="Date Placeholder 4">
             <a:extLst>
               <a:ext uri="{FF2B5EF4-FFF2-40B4-BE49-F238E27FC236}">
-                <a16:creationId xmlns:a16="http://schemas.microsoft.com/office/drawing/2014/main" id="{AF2E277B-F05C-489D-AA8A-5BF5E0B579D1}"/>
+                <a16:creationId xmlns:a16="http://schemas.microsoft.com/office/drawing/2014/main" xmlns="" id="{AF2E277B-F05C-489D-AA8A-5BF5E0B579D1}"/>
               </a:ext>
             </a:extLst>
           </p:cNvPr>
@@ -9559,7 +9574,7 @@
             <a:fld id="{D80A4771-C6EF-4B99-81F4-D30BE4E017A0}" type="datetimeFigureOut">
               <a:rPr lang="en-US" smtClean="0"/>
               <a:pPr/>
-              <a:t>10/20/2017</a:t>
+              <a:t>11/14/17</a:t>
             </a:fld>
             <a:endParaRPr lang="en-US"/>
           </a:p>
@@ -9570,7 +9585,7 @@
           <p:cNvPr id="6" name="Footer Placeholder 5">
             <a:extLst>
               <a:ext uri="{FF2B5EF4-FFF2-40B4-BE49-F238E27FC236}">
-                <a16:creationId xmlns:a16="http://schemas.microsoft.com/office/drawing/2014/main" id="{885BA9FB-24C5-4452-A3EE-293F61012366}"/>
+                <a16:creationId xmlns:a16="http://schemas.microsoft.com/office/drawing/2014/main" xmlns="" id="{885BA9FB-24C5-4452-A3EE-293F61012366}"/>
               </a:ext>
             </a:extLst>
           </p:cNvPr>
@@ -9595,7 +9610,7 @@
           <p:cNvPr id="7" name="Slide Number Placeholder 6">
             <a:extLst>
               <a:ext uri="{FF2B5EF4-FFF2-40B4-BE49-F238E27FC236}">
-                <a16:creationId xmlns:a16="http://schemas.microsoft.com/office/drawing/2014/main" id="{E398EE17-CF02-4F42-B965-EDC7B2B52D63}"/>
+                <a16:creationId xmlns:a16="http://schemas.microsoft.com/office/drawing/2014/main" xmlns="" id="{E398EE17-CF02-4F42-B965-EDC7B2B52D63}"/>
               </a:ext>
             </a:extLst>
           </p:cNvPr>
@@ -9655,7 +9670,7 @@
           <p:cNvPr id="2" name="Title 1">
             <a:extLst>
               <a:ext uri="{FF2B5EF4-FFF2-40B4-BE49-F238E27FC236}">
-                <a16:creationId xmlns:a16="http://schemas.microsoft.com/office/drawing/2014/main" id="{05B0495D-A763-499E-8596-C44286D67903}"/>
+                <a16:creationId xmlns:a16="http://schemas.microsoft.com/office/drawing/2014/main" xmlns="" id="{05B0495D-A763-499E-8596-C44286D67903}"/>
               </a:ext>
             </a:extLst>
           </p:cNvPr>
@@ -9692,7 +9707,7 @@
           <p:cNvPr id="3" name="Picture Placeholder 2">
             <a:extLst>
               <a:ext uri="{FF2B5EF4-FFF2-40B4-BE49-F238E27FC236}">
-                <a16:creationId xmlns:a16="http://schemas.microsoft.com/office/drawing/2014/main" id="{F12281D6-5AEB-4A4C-AB90-7345A6A9E5DE}"/>
+                <a16:creationId xmlns:a16="http://schemas.microsoft.com/office/drawing/2014/main" xmlns="" id="{F12281D6-5AEB-4A4C-AB90-7345A6A9E5DE}"/>
               </a:ext>
             </a:extLst>
           </p:cNvPr>
@@ -9759,7 +9774,7 @@
           <p:cNvPr id="4" name="Text Placeholder 3">
             <a:extLst>
               <a:ext uri="{FF2B5EF4-FFF2-40B4-BE49-F238E27FC236}">
-                <a16:creationId xmlns:a16="http://schemas.microsoft.com/office/drawing/2014/main" id="{8A911EFE-5A57-429F-B559-6899376E0893}"/>
+                <a16:creationId xmlns:a16="http://schemas.microsoft.com/office/drawing/2014/main" xmlns="" id="{8A911EFE-5A57-429F-B559-6899376E0893}"/>
               </a:ext>
             </a:extLst>
           </p:cNvPr>
@@ -9830,7 +9845,7 @@
           <p:cNvPr id="5" name="Date Placeholder 4">
             <a:extLst>
               <a:ext uri="{FF2B5EF4-FFF2-40B4-BE49-F238E27FC236}">
-                <a16:creationId xmlns:a16="http://schemas.microsoft.com/office/drawing/2014/main" id="{88E29747-EF40-4F03-A7F7-C152F014C757}"/>
+                <a16:creationId xmlns:a16="http://schemas.microsoft.com/office/drawing/2014/main" xmlns="" id="{88E29747-EF40-4F03-A7F7-C152F014C757}"/>
               </a:ext>
             </a:extLst>
           </p:cNvPr>
@@ -9849,7 +9864,7 @@
             <a:fld id="{D80A4771-C6EF-4B99-81F4-D30BE4E017A0}" type="datetimeFigureOut">
               <a:rPr lang="en-US" smtClean="0"/>
               <a:pPr/>
-              <a:t>10/20/2017</a:t>
+              <a:t>11/14/17</a:t>
             </a:fld>
             <a:endParaRPr lang="en-US"/>
           </a:p>
@@ -9860,7 +9875,7 @@
           <p:cNvPr id="6" name="Footer Placeholder 5">
             <a:extLst>
               <a:ext uri="{FF2B5EF4-FFF2-40B4-BE49-F238E27FC236}">
-                <a16:creationId xmlns:a16="http://schemas.microsoft.com/office/drawing/2014/main" id="{B24ED564-C191-4A9F-8470-329850B02A5D}"/>
+                <a16:creationId xmlns:a16="http://schemas.microsoft.com/office/drawing/2014/main" xmlns="" id="{B24ED564-C191-4A9F-8470-329850B02A5D}"/>
               </a:ext>
             </a:extLst>
           </p:cNvPr>
@@ -9885,7 +9900,7 @@
           <p:cNvPr id="7" name="Slide Number Placeholder 6">
             <a:extLst>
               <a:ext uri="{FF2B5EF4-FFF2-40B4-BE49-F238E27FC236}">
-                <a16:creationId xmlns:a16="http://schemas.microsoft.com/office/drawing/2014/main" id="{67CCA2ED-30A9-411F-BD97-1781549D6B62}"/>
+                <a16:creationId xmlns:a16="http://schemas.microsoft.com/office/drawing/2014/main" xmlns="" id="{67CCA2ED-30A9-411F-BD97-1781549D6B62}"/>
               </a:ext>
             </a:extLst>
           </p:cNvPr>
@@ -9950,7 +9965,7 @@
           <p:cNvPr id="2" name="Title Placeholder 1">
             <a:extLst>
               <a:ext uri="{FF2B5EF4-FFF2-40B4-BE49-F238E27FC236}">
-                <a16:creationId xmlns:a16="http://schemas.microsoft.com/office/drawing/2014/main" id="{48CF8BA4-9914-4887-B86B-30F05CABD77C}"/>
+                <a16:creationId xmlns:a16="http://schemas.microsoft.com/office/drawing/2014/main" xmlns="" id="{48CF8BA4-9914-4887-B86B-30F05CABD77C}"/>
               </a:ext>
             </a:extLst>
           </p:cNvPr>
@@ -9988,7 +10003,7 @@
           <p:cNvPr id="3" name="Text Placeholder 2">
             <a:extLst>
               <a:ext uri="{FF2B5EF4-FFF2-40B4-BE49-F238E27FC236}">
-                <a16:creationId xmlns:a16="http://schemas.microsoft.com/office/drawing/2014/main" id="{771EAD6D-CF21-48A8-B271-900C8C1542C8}"/>
+                <a16:creationId xmlns:a16="http://schemas.microsoft.com/office/drawing/2014/main" xmlns="" id="{771EAD6D-CF21-48A8-B271-900C8C1542C8}"/>
               </a:ext>
             </a:extLst>
           </p:cNvPr>
@@ -10055,7 +10070,7 @@
           <p:cNvPr id="4" name="Date Placeholder 3">
             <a:extLst>
               <a:ext uri="{FF2B5EF4-FFF2-40B4-BE49-F238E27FC236}">
-                <a16:creationId xmlns:a16="http://schemas.microsoft.com/office/drawing/2014/main" id="{7D7CE657-B4CC-4BDA-9492-7AA64B564B33}"/>
+                <a16:creationId xmlns:a16="http://schemas.microsoft.com/office/drawing/2014/main" xmlns="" id="{7D7CE657-B4CC-4BDA-9492-7AA64B564B33}"/>
               </a:ext>
             </a:extLst>
           </p:cNvPr>
@@ -10093,7 +10108,7 @@
             <a:fld id="{D80A4771-C6EF-4B99-81F4-D30BE4E017A0}" type="datetimeFigureOut">
               <a:rPr lang="en-US" smtClean="0"/>
               <a:pPr algn="r"/>
-              <a:t>10/20/2017</a:t>
+              <a:t>11/14/17</a:t>
             </a:fld>
             <a:endParaRPr lang="en-US" sz="1200">
               <a:solidFill>
@@ -10110,7 +10125,7 @@
           <p:cNvPr id="5" name="Footer Placeholder 4">
             <a:extLst>
               <a:ext uri="{FF2B5EF4-FFF2-40B4-BE49-F238E27FC236}">
-                <a16:creationId xmlns:a16="http://schemas.microsoft.com/office/drawing/2014/main" id="{55031ED3-650C-4B36-A3DA-9AC29439B05C}"/>
+                <a16:creationId xmlns:a16="http://schemas.microsoft.com/office/drawing/2014/main" xmlns="" id="{55031ED3-650C-4B36-A3DA-9AC29439B05C}"/>
               </a:ext>
             </a:extLst>
           </p:cNvPr>
@@ -10160,7 +10175,7 @@
           <p:cNvPr id="6" name="Slide Number Placeholder 5">
             <a:extLst>
               <a:ext uri="{FF2B5EF4-FFF2-40B4-BE49-F238E27FC236}">
-                <a16:creationId xmlns:a16="http://schemas.microsoft.com/office/drawing/2014/main" id="{E2E85626-064B-447E-A1A5-5B98842AE04E}"/>
+                <a16:creationId xmlns:a16="http://schemas.microsoft.com/office/drawing/2014/main" xmlns="" id="{E2E85626-064B-447E-A1A5-5B98842AE04E}"/>
               </a:ext>
             </a:extLst>
           </p:cNvPr>
@@ -10539,7 +10554,7 @@
             <a:spLocks noGrp="1"/>
           </p:cNvSpPr>
           <p:nvPr>
-            <p:ph type="ctrTitle"/>
+            <p:ph type="title"/>
           </p:nvPr>
         </p:nvSpPr>
         <p:spPr/>
@@ -10547,36 +10562,51 @@
           <a:bodyPr/>
           <a:lstStyle/>
           <a:p>
-            <a:r>
-              <a:rPr lang="en-US" dirty="0"/>
-              <a:t>Angular - Routes</a:t>
-            </a:r>
+            <a:endParaRPr lang="en-US"/>
           </a:p>
         </p:txBody>
       </p:sp>
       <p:sp>
         <p:nvSpPr>
-          <p:cNvPr id="3" name="Subtitle 2"/>
+          <p:cNvPr id="3" name="Content Placeholder 2"/>
           <p:cNvSpPr>
             <a:spLocks noGrp="1"/>
           </p:cNvSpPr>
           <p:nvPr>
-            <p:ph type="subTitle" idx="1"/>
+            <p:ph idx="1"/>
           </p:nvPr>
         </p:nvSpPr>
         <p:spPr/>
         <p:txBody>
-          <a:bodyPr/>
+          <a:bodyPr>
+            <a:normAutofit/>
+          </a:bodyPr>
           <a:lstStyle/>
           <a:p>
-            <a:r>
-              <a:rPr lang="en-US" dirty="0"/>
-              <a:t>Susithra Chandrabose</a:t>
+            <a:pPr algn="ctr"/>
+            <a:endParaRPr lang="en-US" sz="4000" dirty="0" smtClean="0"/>
+          </a:p>
+          <a:p>
+            <a:pPr algn="ctr"/>
+            <a:endParaRPr lang="en-US" sz="4000" dirty="0"/>
+          </a:p>
+          <a:p>
+            <a:pPr marL="0" indent="0" algn="ctr">
+              <a:buNone/>
+            </a:pPr>
+            <a:r>
+              <a:rPr lang="en-US" sz="4000" dirty="0"/>
+              <a:t>Angular - Routes</a:t>
             </a:r>
           </a:p>
         </p:txBody>
       </p:sp>
     </p:spTree>
+    <p:extLst>
+      <p:ext uri="{BB962C8B-B14F-4D97-AF65-F5344CB8AC3E}">
+        <p14:creationId xmlns:p14="http://schemas.microsoft.com/office/powerpoint/2010/main" val="949527858"/>
+      </p:ext>
+    </p:extLst>
   </p:cSld>
   <p:clrMapOvr>
     <a:masterClrMapping/>
@@ -11133,7 +11163,7 @@
           <p:cNvPr id="10" name="Freeform: Shape 9">
             <a:extLst>
               <a:ext uri="{FF2B5EF4-FFF2-40B4-BE49-F238E27FC236}">
-                <a16:creationId xmlns:a16="http://schemas.microsoft.com/office/drawing/2014/main" id="{65C9B8F0-FF66-4C15-BD05-E86B87331846}"/>
+                <a16:creationId xmlns:a16="http://schemas.microsoft.com/office/drawing/2014/main" xmlns="" id="{65C9B8F0-FF66-4C15-BD05-E86B87331846}"/>
               </a:ext>
             </a:extLst>
           </p:cNvPr>
@@ -11241,7 +11271,7 @@
           <p:cNvPr id="12" name="Freeform: Shape 11">
             <a:extLst>
               <a:ext uri="{FF2B5EF4-FFF2-40B4-BE49-F238E27FC236}">
-                <a16:creationId xmlns:a16="http://schemas.microsoft.com/office/drawing/2014/main" id="{E4505C23-674B-4195-81D6-0C127FEAE3F8}"/>
+                <a16:creationId xmlns:a16="http://schemas.microsoft.com/office/drawing/2014/main" xmlns="" id="{E4505C23-674B-4195-81D6-0C127FEAE3F8}"/>
               </a:ext>
             </a:extLst>
           </p:cNvPr>
@@ -11469,7 +11499,7 @@
           <p:cNvPr id="6" name="Picture 5">
             <a:extLst>
               <a:ext uri="{FF2B5EF4-FFF2-40B4-BE49-F238E27FC236}">
-                <a16:creationId xmlns:a16="http://schemas.microsoft.com/office/drawing/2014/main" id="{80821A5A-A4C1-4D33-B73A-47F77ADD66E6}"/>
+                <a16:creationId xmlns:a16="http://schemas.microsoft.com/office/drawing/2014/main" xmlns="" id="{80821A5A-A4C1-4D33-B73A-47F77ADD66E6}"/>
               </a:ext>
             </a:extLst>
           </p:cNvPr>
@@ -11499,7 +11529,7 @@
           <p:cNvPr id="7" name="Rectangle 6">
             <a:extLst>
               <a:ext uri="{FF2B5EF4-FFF2-40B4-BE49-F238E27FC236}">
-                <a16:creationId xmlns:a16="http://schemas.microsoft.com/office/drawing/2014/main" id="{B7BCE546-E8A6-4A7A-B2A4-AF1BB4007A19}"/>
+                <a16:creationId xmlns:a16="http://schemas.microsoft.com/office/drawing/2014/main" xmlns="" id="{B7BCE546-E8A6-4A7A-B2A4-AF1BB4007A19}"/>
               </a:ext>
             </a:extLst>
           </p:cNvPr>
@@ -11545,7 +11575,7 @@
           <p:cNvPr id="8" name="Rectangle 7">
             <a:extLst>
               <a:ext uri="{FF2B5EF4-FFF2-40B4-BE49-F238E27FC236}">
-                <a16:creationId xmlns:a16="http://schemas.microsoft.com/office/drawing/2014/main" id="{9678FE28-FCDF-43E3-A7D1-D31F33EC6DD1}"/>
+                <a16:creationId xmlns:a16="http://schemas.microsoft.com/office/drawing/2014/main" xmlns="" id="{9678FE28-FCDF-43E3-A7D1-D31F33EC6DD1}"/>
               </a:ext>
             </a:extLst>
           </p:cNvPr>
@@ -11591,7 +11621,7 @@
           <p:cNvPr id="10" name="Straight Arrow Connector 9">
             <a:extLst>
               <a:ext uri="{FF2B5EF4-FFF2-40B4-BE49-F238E27FC236}">
-                <a16:creationId xmlns:a16="http://schemas.microsoft.com/office/drawing/2014/main" id="{5FAC1132-6F1F-48E1-94C9-A0BB3C4A8A72}"/>
+                <a16:creationId xmlns:a16="http://schemas.microsoft.com/office/drawing/2014/main" xmlns="" id="{5FAC1132-6F1F-48E1-94C9-A0BB3C4A8A72}"/>
               </a:ext>
             </a:extLst>
           </p:cNvPr>
@@ -11635,7 +11665,7 @@
           <p:cNvPr id="14" name="Straight Arrow Connector 13">
             <a:extLst>
               <a:ext uri="{FF2B5EF4-FFF2-40B4-BE49-F238E27FC236}">
-                <a16:creationId xmlns:a16="http://schemas.microsoft.com/office/drawing/2014/main" id="{CC61C076-DA89-49E9-A2FD-F2405721737C}"/>
+                <a16:creationId xmlns:a16="http://schemas.microsoft.com/office/drawing/2014/main" xmlns="" id="{CC61C076-DA89-49E9-A2FD-F2405721737C}"/>
               </a:ext>
             </a:extLst>
           </p:cNvPr>
@@ -11678,7 +11708,7 @@
           <p:cNvPr id="15" name="TextBox 14">
             <a:extLst>
               <a:ext uri="{FF2B5EF4-FFF2-40B4-BE49-F238E27FC236}">
-                <a16:creationId xmlns:a16="http://schemas.microsoft.com/office/drawing/2014/main" id="{46D40898-F18E-4592-97A2-9E0263E69C41}"/>
+                <a16:creationId xmlns:a16="http://schemas.microsoft.com/office/drawing/2014/main" xmlns="" id="{46D40898-F18E-4592-97A2-9E0263E69C41}"/>
               </a:ext>
             </a:extLst>
           </p:cNvPr>
@@ -11713,7 +11743,7 @@
           <p:cNvPr id="16" name="Straight Arrow Connector 15">
             <a:extLst>
               <a:ext uri="{FF2B5EF4-FFF2-40B4-BE49-F238E27FC236}">
-                <a16:creationId xmlns:a16="http://schemas.microsoft.com/office/drawing/2014/main" id="{131C3A9A-26EA-4696-B9CD-BCEE4C6FD9A0}"/>
+                <a16:creationId xmlns:a16="http://schemas.microsoft.com/office/drawing/2014/main" xmlns="" id="{131C3A9A-26EA-4696-B9CD-BCEE4C6FD9A0}"/>
               </a:ext>
             </a:extLst>
           </p:cNvPr>
@@ -11755,7 +11785,7 @@
           <p:cNvPr id="20" name="TextBox 19">
             <a:extLst>
               <a:ext uri="{FF2B5EF4-FFF2-40B4-BE49-F238E27FC236}">
-                <a16:creationId xmlns:a16="http://schemas.microsoft.com/office/drawing/2014/main" id="{A4AD4F67-07B4-4EB0-AA99-9086EDA646AE}"/>
+                <a16:creationId xmlns:a16="http://schemas.microsoft.com/office/drawing/2014/main" xmlns="" id="{A4AD4F67-07B4-4EB0-AA99-9086EDA646AE}"/>
               </a:ext>
             </a:extLst>
           </p:cNvPr>
@@ -11821,7 +11851,7 @@
           <p:cNvPr id="10" name="Freeform: Shape 9">
             <a:extLst>
               <a:ext uri="{FF2B5EF4-FFF2-40B4-BE49-F238E27FC236}">
-                <a16:creationId xmlns:a16="http://schemas.microsoft.com/office/drawing/2014/main" id="{65C9B8F0-FF66-4C15-BD05-E86B87331846}"/>
+                <a16:creationId xmlns:a16="http://schemas.microsoft.com/office/drawing/2014/main" xmlns="" id="{65C9B8F0-FF66-4C15-BD05-E86B87331846}"/>
               </a:ext>
             </a:extLst>
           </p:cNvPr>
@@ -11929,7 +11959,7 @@
           <p:cNvPr id="12" name="Freeform: Shape 11">
             <a:extLst>
               <a:ext uri="{FF2B5EF4-FFF2-40B4-BE49-F238E27FC236}">
-                <a16:creationId xmlns:a16="http://schemas.microsoft.com/office/drawing/2014/main" id="{E4505C23-674B-4195-81D6-0C127FEAE3F8}"/>
+                <a16:creationId xmlns:a16="http://schemas.microsoft.com/office/drawing/2014/main" xmlns="" id="{E4505C23-674B-4195-81D6-0C127FEAE3F8}"/>
               </a:ext>
             </a:extLst>
           </p:cNvPr>
@@ -12283,7 +12313,7 @@
           <p:cNvPr id="4" name="Picture 3">
             <a:extLst>
               <a:ext uri="{FF2B5EF4-FFF2-40B4-BE49-F238E27FC236}">
-                <a16:creationId xmlns:a16="http://schemas.microsoft.com/office/drawing/2014/main" id="{FDE317CB-7670-4378-94DF-D9CF17C3BD56}"/>
+                <a16:creationId xmlns:a16="http://schemas.microsoft.com/office/drawing/2014/main" xmlns="" id="{FDE317CB-7670-4378-94DF-D9CF17C3BD56}"/>
               </a:ext>
             </a:extLst>
           </p:cNvPr>
@@ -12313,7 +12343,7 @@
           <p:cNvPr id="5" name="Rectangle 4">
             <a:extLst>
               <a:ext uri="{FF2B5EF4-FFF2-40B4-BE49-F238E27FC236}">
-                <a16:creationId xmlns:a16="http://schemas.microsoft.com/office/drawing/2014/main" id="{E6AE46F8-B156-4FF8-A3F4-3A56E9129915}"/>
+                <a16:creationId xmlns:a16="http://schemas.microsoft.com/office/drawing/2014/main" xmlns="" id="{E6AE46F8-B156-4FF8-A3F4-3A56E9129915}"/>
               </a:ext>
             </a:extLst>
           </p:cNvPr>
